--- a/All Documentations And Reports/Presentation2.pptx
+++ b/All Documentations And Reports/Presentation2.pptx
@@ -25,7 +25,11 @@
     <p:sldId id="267" r:id="rId19"/>
     <p:sldId id="268" r:id="rId20"/>
     <p:sldId id="275" r:id="rId21"/>
-    <p:sldId id="269" r:id="rId22"/>
+    <p:sldId id="277" r:id="rId22"/>
+    <p:sldId id="278" r:id="rId23"/>
+    <p:sldId id="279" r:id="rId24"/>
+    <p:sldId id="280" r:id="rId25"/>
+    <p:sldId id="269" r:id="rId26"/>
   </p:sldIdLst>
   <p:sldSz cx="12192000" cy="6858000"/>
   <p:notesSz cx="6858000" cy="9144000"/>
@@ -281,7 +285,7 @@
           <a:p>
             <a:fld id="{01F179B8-54A4-4DCE-9149-D502D1A3B727}" type="datetimeFigureOut">
               <a:rPr lang="en-IN" smtClean="0"/>
-              <a:t>08-11-2025</a:t>
+              <a:t>12-12-2025</a:t>
             </a:fld>
             <a:endParaRPr lang="en-IN"/>
           </a:p>
@@ -493,7 +497,7 @@
           <a:p>
             <a:fld id="{01F179B8-54A4-4DCE-9149-D502D1A3B727}" type="datetimeFigureOut">
               <a:rPr lang="en-IN" smtClean="0"/>
-              <a:t>08-11-2025</a:t>
+              <a:t>12-12-2025</a:t>
             </a:fld>
             <a:endParaRPr lang="en-IN"/>
           </a:p>
@@ -715,7 +719,7 @@
           <a:p>
             <a:fld id="{01F179B8-54A4-4DCE-9149-D502D1A3B727}" type="datetimeFigureOut">
               <a:rPr lang="en-IN" smtClean="0"/>
-              <a:t>08-11-2025</a:t>
+              <a:t>12-12-2025</a:t>
             </a:fld>
             <a:endParaRPr lang="en-IN"/>
           </a:p>
@@ -927,7 +931,7 @@
           <a:p>
             <a:fld id="{01F179B8-54A4-4DCE-9149-D502D1A3B727}" type="datetimeFigureOut">
               <a:rPr lang="en-IN" smtClean="0"/>
-              <a:t>08-11-2025</a:t>
+              <a:t>12-12-2025</a:t>
             </a:fld>
             <a:endParaRPr lang="en-IN"/>
           </a:p>
@@ -1215,7 +1219,7 @@
           <a:p>
             <a:fld id="{01F179B8-54A4-4DCE-9149-D502D1A3B727}" type="datetimeFigureOut">
               <a:rPr lang="en-IN" smtClean="0"/>
-              <a:t>08-11-2025</a:t>
+              <a:t>12-12-2025</a:t>
             </a:fld>
             <a:endParaRPr lang="en-IN"/>
           </a:p>
@@ -1495,7 +1499,7 @@
           <a:p>
             <a:fld id="{01F179B8-54A4-4DCE-9149-D502D1A3B727}" type="datetimeFigureOut">
               <a:rPr lang="en-IN" smtClean="0"/>
-              <a:t>08-11-2025</a:t>
+              <a:t>12-12-2025</a:t>
             </a:fld>
             <a:endParaRPr lang="en-IN"/>
           </a:p>
@@ -1922,7 +1926,7 @@
           <a:p>
             <a:fld id="{01F179B8-54A4-4DCE-9149-D502D1A3B727}" type="datetimeFigureOut">
               <a:rPr lang="en-IN" smtClean="0"/>
-              <a:t>08-11-2025</a:t>
+              <a:t>12-12-2025</a:t>
             </a:fld>
             <a:endParaRPr lang="en-IN"/>
           </a:p>
@@ -2076,7 +2080,7 @@
           <a:p>
             <a:fld id="{01F179B8-54A4-4DCE-9149-D502D1A3B727}" type="datetimeFigureOut">
               <a:rPr lang="en-IN" smtClean="0"/>
-              <a:t>08-11-2025</a:t>
+              <a:t>12-12-2025</a:t>
             </a:fld>
             <a:endParaRPr lang="en-IN"/>
           </a:p>
@@ -2201,7 +2205,7 @@
           <a:p>
             <a:fld id="{01F179B8-54A4-4DCE-9149-D502D1A3B727}" type="datetimeFigureOut">
               <a:rPr lang="en-IN" smtClean="0"/>
-              <a:t>08-11-2025</a:t>
+              <a:t>12-12-2025</a:t>
             </a:fld>
             <a:endParaRPr lang="en-IN"/>
           </a:p>
@@ -2526,7 +2530,7 @@
           <a:p>
             <a:fld id="{01F179B8-54A4-4DCE-9149-D502D1A3B727}" type="datetimeFigureOut">
               <a:rPr lang="en-IN" smtClean="0"/>
-              <a:t>08-11-2025</a:t>
+              <a:t>12-12-2025</a:t>
             </a:fld>
             <a:endParaRPr lang="en-IN"/>
           </a:p>
@@ -2827,7 +2831,7 @@
           <a:p>
             <a:fld id="{01F179B8-54A4-4DCE-9149-D502D1A3B727}" type="datetimeFigureOut">
               <a:rPr lang="en-IN" smtClean="0"/>
-              <a:t>08-11-2025</a:t>
+              <a:t>12-12-2025</a:t>
             </a:fld>
             <a:endParaRPr lang="en-IN"/>
           </a:p>
@@ -3085,7 +3089,7 @@
           <a:p>
             <a:fld id="{01F179B8-54A4-4DCE-9149-D502D1A3B727}" type="datetimeFigureOut">
               <a:rPr lang="en-IN" smtClean="0"/>
-              <a:t>08-11-2025</a:t>
+              <a:t>12-12-2025</a:t>
             </a:fld>
             <a:endParaRPr lang="en-IN"/>
           </a:p>
@@ -7189,12 +7193,57 @@
           <a:chExt cx="0" cy="0"/>
         </a:xfrm>
       </p:grpSpPr>
+      <p:sp>
+        <p:nvSpPr>
+          <p:cNvPr id="9" name="TextBox 8">
+            <a:extLst>
+              <a:ext uri="{FF2B5EF4-FFF2-40B4-BE49-F238E27FC236}">
+                <a16:creationId xmlns:a16="http://schemas.microsoft.com/office/drawing/2014/main" id="{72AB8785-8483-172D-3EA9-2740170E4909}"/>
+              </a:ext>
+            </a:extLst>
+          </p:cNvPr>
+          <p:cNvSpPr txBox="1"/>
+          <p:nvPr/>
+        </p:nvSpPr>
+        <p:spPr>
+          <a:xfrm>
+            <a:off x="2417583" y="113404"/>
+            <a:ext cx="7356833" cy="1200329"/>
+          </a:xfrm>
+          <a:prstGeom prst="rect">
+            <a:avLst/>
+          </a:prstGeom>
+          <a:noFill/>
+        </p:spPr>
+        <p:txBody>
+          <a:bodyPr wrap="square" rtlCol="0">
+            <a:spAutoFit/>
+          </a:bodyPr>
+          <a:lstStyle/>
+          <a:p>
+            <a:pPr algn="ctr"/>
+            <a:r>
+              <a:rPr lang="en-US" sz="7200" b="1" dirty="0">
+                <a:solidFill>
+                  <a:srgbClr val="31326F"/>
+                </a:solidFill>
+              </a:rPr>
+              <a:t>Project Overview</a:t>
+            </a:r>
+            <a:endParaRPr lang="en-IN" sz="7200" b="1" dirty="0">
+              <a:solidFill>
+                <a:srgbClr val="31326F"/>
+              </a:solidFill>
+            </a:endParaRPr>
+          </a:p>
+        </p:txBody>
+      </p:sp>
       <p:pic>
         <p:nvPicPr>
-          <p:cNvPr id="8" name="Picture 7">
-            <a:extLst>
-              <a:ext uri="{FF2B5EF4-FFF2-40B4-BE49-F238E27FC236}">
-                <a16:creationId xmlns:a16="http://schemas.microsoft.com/office/drawing/2014/main" id="{34909859-FDB4-4648-7DC9-470D5C54A2C9}"/>
+          <p:cNvPr id="3" name="Picture 2" descr="A screenshot of a dashboard&#10;&#10;AI-generated content may be incorrect.">
+            <a:extLst>
+              <a:ext uri="{FF2B5EF4-FFF2-40B4-BE49-F238E27FC236}">
+                <a16:creationId xmlns:a16="http://schemas.microsoft.com/office/drawing/2014/main" id="{321B8106-6599-4BFF-56F7-5092F778A3F9}"/>
               </a:ext>
             </a:extLst>
           </p:cNvPr>
@@ -7211,58 +7260,14 @@
         </p:blipFill>
         <p:spPr>
           <a:xfrm>
-            <a:off x="1309019" y="1313733"/>
-            <a:ext cx="9573961" cy="5087060"/>
+            <a:off x="1391263" y="1313733"/>
+            <a:ext cx="9409471" cy="5210737"/>
           </a:xfrm>
           <a:prstGeom prst="rect">
             <a:avLst/>
           </a:prstGeom>
         </p:spPr>
       </p:pic>
-      <p:sp>
-        <p:nvSpPr>
-          <p:cNvPr id="9" name="TextBox 8">
-            <a:extLst>
-              <a:ext uri="{FF2B5EF4-FFF2-40B4-BE49-F238E27FC236}">
-                <a16:creationId xmlns:a16="http://schemas.microsoft.com/office/drawing/2014/main" id="{72AB8785-8483-172D-3EA9-2740170E4909}"/>
-              </a:ext>
-            </a:extLst>
-          </p:cNvPr>
-          <p:cNvSpPr txBox="1"/>
-          <p:nvPr/>
-        </p:nvSpPr>
-        <p:spPr>
-          <a:xfrm>
-            <a:off x="1541361" y="113404"/>
-            <a:ext cx="9109276" cy="1200329"/>
-          </a:xfrm>
-          <a:prstGeom prst="rect">
-            <a:avLst/>
-          </a:prstGeom>
-          <a:noFill/>
-        </p:spPr>
-        <p:txBody>
-          <a:bodyPr wrap="square" rtlCol="0">
-            <a:spAutoFit/>
-          </a:bodyPr>
-          <a:lstStyle/>
-          <a:p>
-            <a:r>
-              <a:rPr lang="en-US" sz="7200" b="1" dirty="0">
-                <a:solidFill>
-                  <a:srgbClr val="31326F"/>
-                </a:solidFill>
-              </a:rPr>
-              <a:t>Project Overview</a:t>
-            </a:r>
-            <a:endParaRPr lang="en-IN" sz="7200" b="1" dirty="0">
-              <a:solidFill>
-                <a:srgbClr val="31326F"/>
-              </a:solidFill>
-            </a:endParaRPr>
-          </a:p>
-        </p:txBody>
-      </p:sp>
     </p:spTree>
     <p:extLst>
       <p:ext uri="{BB962C8B-B14F-4D97-AF65-F5344CB8AC3E}">
@@ -7289,6 +7294,498 @@
 </file>
 
 <file path=ppt/slides/slide21.xml><?xml version="1.0" encoding="utf-8"?>
+<p:sld xmlns:a="http://schemas.openxmlformats.org/drawingml/2006/main" xmlns:r="http://schemas.openxmlformats.org/officeDocument/2006/relationships" xmlns:p="http://schemas.openxmlformats.org/presentationml/2006/main">
+  <p:cSld>
+    <p:spTree>
+      <p:nvGrpSpPr>
+        <p:cNvPr id="1" name="">
+          <a:extLst>
+            <a:ext uri="{FF2B5EF4-FFF2-40B4-BE49-F238E27FC236}">
+              <a16:creationId xmlns:a16="http://schemas.microsoft.com/office/drawing/2014/main" id="{DEF3A8E3-C6DC-926E-C820-71CDD0F885B9}"/>
+            </a:ext>
+          </a:extLst>
+        </p:cNvPr>
+        <p:cNvGrpSpPr/>
+        <p:nvPr/>
+      </p:nvGrpSpPr>
+      <p:grpSpPr>
+        <a:xfrm>
+          <a:off x="0" y="0"/>
+          <a:ext cx="0" cy="0"/>
+          <a:chOff x="0" y="0"/>
+          <a:chExt cx="0" cy="0"/>
+        </a:xfrm>
+      </p:grpSpPr>
+      <p:sp>
+        <p:nvSpPr>
+          <p:cNvPr id="9" name="TextBox 8">
+            <a:extLst>
+              <a:ext uri="{FF2B5EF4-FFF2-40B4-BE49-F238E27FC236}">
+                <a16:creationId xmlns:a16="http://schemas.microsoft.com/office/drawing/2014/main" id="{AF90584C-950E-E243-5DF2-931400006A59}"/>
+              </a:ext>
+            </a:extLst>
+          </p:cNvPr>
+          <p:cNvSpPr txBox="1"/>
+          <p:nvPr/>
+        </p:nvSpPr>
+        <p:spPr>
+          <a:xfrm>
+            <a:off x="2417583" y="113404"/>
+            <a:ext cx="7356833" cy="1200329"/>
+          </a:xfrm>
+          <a:prstGeom prst="rect">
+            <a:avLst/>
+          </a:prstGeom>
+          <a:noFill/>
+        </p:spPr>
+        <p:txBody>
+          <a:bodyPr wrap="square" rtlCol="0">
+            <a:spAutoFit/>
+          </a:bodyPr>
+          <a:lstStyle/>
+          <a:p>
+            <a:pPr algn="ctr"/>
+            <a:r>
+              <a:rPr lang="en-US" sz="7200" b="1" dirty="0">
+                <a:solidFill>
+                  <a:srgbClr val="31326F"/>
+                </a:solidFill>
+              </a:rPr>
+              <a:t>Project Overview</a:t>
+            </a:r>
+            <a:endParaRPr lang="en-IN" sz="7200" b="1" dirty="0">
+              <a:solidFill>
+                <a:srgbClr val="31326F"/>
+              </a:solidFill>
+            </a:endParaRPr>
+          </a:p>
+        </p:txBody>
+      </p:sp>
+      <p:pic>
+        <p:nvPicPr>
+          <p:cNvPr id="4" name="Picture 3" descr="A screenshot of a graph&#10;&#10;AI-generated content may be incorrect.">
+            <a:extLst>
+              <a:ext uri="{FF2B5EF4-FFF2-40B4-BE49-F238E27FC236}">
+                <a16:creationId xmlns:a16="http://schemas.microsoft.com/office/drawing/2014/main" id="{7646FADA-F203-CF84-7C4A-8CC31158C0E2}"/>
+              </a:ext>
+            </a:extLst>
+          </p:cNvPr>
+          <p:cNvPicPr>
+            <a:picLocks noChangeAspect="1"/>
+          </p:cNvPicPr>
+          <p:nvPr/>
+        </p:nvPicPr>
+        <p:blipFill>
+          <a:blip r:embed="rId2"/>
+          <a:stretch>
+            <a:fillRect/>
+          </a:stretch>
+        </p:blipFill>
+        <p:spPr>
+          <a:xfrm>
+            <a:off x="1455174" y="1313733"/>
+            <a:ext cx="9281651" cy="5109165"/>
+          </a:xfrm>
+          <a:prstGeom prst="rect">
+            <a:avLst/>
+          </a:prstGeom>
+        </p:spPr>
+      </p:pic>
+    </p:spTree>
+    <p:extLst>
+      <p:ext uri="{BB962C8B-B14F-4D97-AF65-F5344CB8AC3E}">
+        <p14:creationId xmlns:p14="http://schemas.microsoft.com/office/powerpoint/2010/main" val="2847118421"/>
+      </p:ext>
+    </p:extLst>
+  </p:cSld>
+  <p:clrMapOvr>
+    <a:masterClrMapping/>
+  </p:clrMapOvr>
+  <mc:AlternateContent xmlns:mc="http://schemas.openxmlformats.org/markup-compatibility/2006">
+    <mc:Choice xmlns:p159="http://schemas.microsoft.com/office/powerpoint/2015/09/main" Requires="p159">
+      <p:transition xmlns:p14="http://schemas.microsoft.com/office/powerpoint/2010/main" spd="slow" p14:dur="2000">
+        <p159:morph option="byObject"/>
+      </p:transition>
+    </mc:Choice>
+    <mc:Fallback>
+      <p:transition spd="slow">
+        <p:fade/>
+      </p:transition>
+    </mc:Fallback>
+  </mc:AlternateContent>
+</p:sld>
+</file>
+
+<file path=ppt/slides/slide22.xml><?xml version="1.0" encoding="utf-8"?>
+<p:sld xmlns:a="http://schemas.openxmlformats.org/drawingml/2006/main" xmlns:r="http://schemas.openxmlformats.org/officeDocument/2006/relationships" xmlns:p="http://schemas.openxmlformats.org/presentationml/2006/main">
+  <p:cSld>
+    <p:spTree>
+      <p:nvGrpSpPr>
+        <p:cNvPr id="1" name="">
+          <a:extLst>
+            <a:ext uri="{FF2B5EF4-FFF2-40B4-BE49-F238E27FC236}">
+              <a16:creationId xmlns:a16="http://schemas.microsoft.com/office/drawing/2014/main" id="{2EA989F6-90E0-2A65-47EC-D078A4DFC8F5}"/>
+            </a:ext>
+          </a:extLst>
+        </p:cNvPr>
+        <p:cNvGrpSpPr/>
+        <p:nvPr/>
+      </p:nvGrpSpPr>
+      <p:grpSpPr>
+        <a:xfrm>
+          <a:off x="0" y="0"/>
+          <a:ext cx="0" cy="0"/>
+          <a:chOff x="0" y="0"/>
+          <a:chExt cx="0" cy="0"/>
+        </a:xfrm>
+      </p:grpSpPr>
+      <p:sp>
+        <p:nvSpPr>
+          <p:cNvPr id="9" name="TextBox 8">
+            <a:extLst>
+              <a:ext uri="{FF2B5EF4-FFF2-40B4-BE49-F238E27FC236}">
+                <a16:creationId xmlns:a16="http://schemas.microsoft.com/office/drawing/2014/main" id="{10A28EEA-8908-9F93-B492-E7CC960F618B}"/>
+              </a:ext>
+            </a:extLst>
+          </p:cNvPr>
+          <p:cNvSpPr txBox="1"/>
+          <p:nvPr/>
+        </p:nvSpPr>
+        <p:spPr>
+          <a:xfrm>
+            <a:off x="2417583" y="113404"/>
+            <a:ext cx="7356833" cy="1200329"/>
+          </a:xfrm>
+          <a:prstGeom prst="rect">
+            <a:avLst/>
+          </a:prstGeom>
+          <a:noFill/>
+        </p:spPr>
+        <p:txBody>
+          <a:bodyPr wrap="square" rtlCol="0">
+            <a:spAutoFit/>
+          </a:bodyPr>
+          <a:lstStyle/>
+          <a:p>
+            <a:pPr algn="ctr"/>
+            <a:r>
+              <a:rPr lang="en-US" sz="7200" b="1" dirty="0">
+                <a:solidFill>
+                  <a:srgbClr val="31326F"/>
+                </a:solidFill>
+              </a:rPr>
+              <a:t>Project Overview</a:t>
+            </a:r>
+            <a:endParaRPr lang="en-IN" sz="7200" b="1" dirty="0">
+              <a:solidFill>
+                <a:srgbClr val="31326F"/>
+              </a:solidFill>
+            </a:endParaRPr>
+          </a:p>
+        </p:txBody>
+      </p:sp>
+      <p:pic>
+        <p:nvPicPr>
+          <p:cNvPr id="3" name="Picture 2" descr="A screenshot of a computer dashboard&#10;&#10;AI-generated content may be incorrect.">
+            <a:extLst>
+              <a:ext uri="{FF2B5EF4-FFF2-40B4-BE49-F238E27FC236}">
+                <a16:creationId xmlns:a16="http://schemas.microsoft.com/office/drawing/2014/main" id="{363DFFA1-80CA-5519-0EC5-8124E67E8197}"/>
+              </a:ext>
+            </a:extLst>
+          </p:cNvPr>
+          <p:cNvPicPr>
+            <a:picLocks noChangeAspect="1"/>
+          </p:cNvPicPr>
+          <p:nvPr/>
+        </p:nvPicPr>
+        <p:blipFill>
+          <a:blip r:embed="rId2"/>
+          <a:stretch>
+            <a:fillRect/>
+          </a:stretch>
+        </p:blipFill>
+        <p:spPr>
+          <a:xfrm>
+            <a:off x="1509251" y="1413522"/>
+            <a:ext cx="9173497" cy="5011318"/>
+          </a:xfrm>
+          <a:prstGeom prst="rect">
+            <a:avLst/>
+          </a:prstGeom>
+        </p:spPr>
+      </p:pic>
+    </p:spTree>
+    <p:extLst>
+      <p:ext uri="{BB962C8B-B14F-4D97-AF65-F5344CB8AC3E}">
+        <p14:creationId xmlns:p14="http://schemas.microsoft.com/office/powerpoint/2010/main" val="849172268"/>
+      </p:ext>
+    </p:extLst>
+  </p:cSld>
+  <p:clrMapOvr>
+    <a:masterClrMapping/>
+  </p:clrMapOvr>
+  <mc:AlternateContent xmlns:mc="http://schemas.openxmlformats.org/markup-compatibility/2006">
+    <mc:Choice xmlns:p159="http://schemas.microsoft.com/office/powerpoint/2015/09/main" Requires="p159">
+      <p:transition xmlns:p14="http://schemas.microsoft.com/office/powerpoint/2010/main" spd="slow" p14:dur="2000">
+        <p159:morph option="byObject"/>
+      </p:transition>
+    </mc:Choice>
+    <mc:Fallback>
+      <p:transition spd="slow">
+        <p:fade/>
+      </p:transition>
+    </mc:Fallback>
+  </mc:AlternateContent>
+</p:sld>
+</file>
+
+<file path=ppt/slides/slide23.xml><?xml version="1.0" encoding="utf-8"?>
+<p:sld xmlns:a="http://schemas.openxmlformats.org/drawingml/2006/main" xmlns:r="http://schemas.openxmlformats.org/officeDocument/2006/relationships" xmlns:p="http://schemas.openxmlformats.org/presentationml/2006/main">
+  <p:cSld>
+    <p:spTree>
+      <p:nvGrpSpPr>
+        <p:cNvPr id="1" name="">
+          <a:extLst>
+            <a:ext uri="{FF2B5EF4-FFF2-40B4-BE49-F238E27FC236}">
+              <a16:creationId xmlns:a16="http://schemas.microsoft.com/office/drawing/2014/main" id="{211D312F-F9ED-8327-04E1-2CA8DBA90D7E}"/>
+            </a:ext>
+          </a:extLst>
+        </p:cNvPr>
+        <p:cNvGrpSpPr/>
+        <p:nvPr/>
+      </p:nvGrpSpPr>
+      <p:grpSpPr>
+        <a:xfrm>
+          <a:off x="0" y="0"/>
+          <a:ext cx="0" cy="0"/>
+          <a:chOff x="0" y="0"/>
+          <a:chExt cx="0" cy="0"/>
+        </a:xfrm>
+      </p:grpSpPr>
+      <p:sp>
+        <p:nvSpPr>
+          <p:cNvPr id="9" name="TextBox 8">
+            <a:extLst>
+              <a:ext uri="{FF2B5EF4-FFF2-40B4-BE49-F238E27FC236}">
+                <a16:creationId xmlns:a16="http://schemas.microsoft.com/office/drawing/2014/main" id="{A004D799-E684-9D99-9548-B9AC18BDEDE2}"/>
+              </a:ext>
+            </a:extLst>
+          </p:cNvPr>
+          <p:cNvSpPr txBox="1"/>
+          <p:nvPr/>
+        </p:nvSpPr>
+        <p:spPr>
+          <a:xfrm>
+            <a:off x="2417583" y="113404"/>
+            <a:ext cx="7356833" cy="1200329"/>
+          </a:xfrm>
+          <a:prstGeom prst="rect">
+            <a:avLst/>
+          </a:prstGeom>
+          <a:noFill/>
+        </p:spPr>
+        <p:txBody>
+          <a:bodyPr wrap="square" rtlCol="0">
+            <a:spAutoFit/>
+          </a:bodyPr>
+          <a:lstStyle/>
+          <a:p>
+            <a:pPr algn="ctr"/>
+            <a:r>
+              <a:rPr lang="en-US" sz="7200" b="1" dirty="0">
+                <a:solidFill>
+                  <a:srgbClr val="31326F"/>
+                </a:solidFill>
+              </a:rPr>
+              <a:t>Project Overview</a:t>
+            </a:r>
+            <a:endParaRPr lang="en-IN" sz="7200" b="1" dirty="0">
+              <a:solidFill>
+                <a:srgbClr val="31326F"/>
+              </a:solidFill>
+            </a:endParaRPr>
+          </a:p>
+        </p:txBody>
+      </p:sp>
+      <p:pic>
+        <p:nvPicPr>
+          <p:cNvPr id="3" name="Picture 2" descr="A screenshot of a computer dashboard&#10;&#10;AI-generated content may be incorrect.">
+            <a:extLst>
+              <a:ext uri="{FF2B5EF4-FFF2-40B4-BE49-F238E27FC236}">
+                <a16:creationId xmlns:a16="http://schemas.microsoft.com/office/drawing/2014/main" id="{EE730AC8-9071-ACBB-7599-6237877594A1}"/>
+              </a:ext>
+            </a:extLst>
+          </p:cNvPr>
+          <p:cNvPicPr>
+            <a:picLocks noChangeAspect="1"/>
+          </p:cNvPicPr>
+          <p:nvPr/>
+        </p:nvPicPr>
+        <p:blipFill>
+          <a:blip r:embed="rId2"/>
+          <a:stretch>
+            <a:fillRect/>
+          </a:stretch>
+        </p:blipFill>
+        <p:spPr>
+          <a:xfrm>
+            <a:off x="1448696" y="1313733"/>
+            <a:ext cx="9294607" cy="5175486"/>
+          </a:xfrm>
+          <a:prstGeom prst="rect">
+            <a:avLst/>
+          </a:prstGeom>
+        </p:spPr>
+      </p:pic>
+    </p:spTree>
+    <p:extLst>
+      <p:ext uri="{BB962C8B-B14F-4D97-AF65-F5344CB8AC3E}">
+        <p14:creationId xmlns:p14="http://schemas.microsoft.com/office/powerpoint/2010/main" val="4281920370"/>
+      </p:ext>
+    </p:extLst>
+  </p:cSld>
+  <p:clrMapOvr>
+    <a:masterClrMapping/>
+  </p:clrMapOvr>
+  <mc:AlternateContent xmlns:mc="http://schemas.openxmlformats.org/markup-compatibility/2006">
+    <mc:Choice xmlns:p159="http://schemas.microsoft.com/office/powerpoint/2015/09/main" Requires="p159">
+      <p:transition xmlns:p14="http://schemas.microsoft.com/office/powerpoint/2010/main" spd="slow" p14:dur="2000">
+        <p159:morph option="byObject"/>
+      </p:transition>
+    </mc:Choice>
+    <mc:Fallback>
+      <p:transition spd="slow">
+        <p:fade/>
+      </p:transition>
+    </mc:Fallback>
+  </mc:AlternateContent>
+</p:sld>
+</file>
+
+<file path=ppt/slides/slide24.xml><?xml version="1.0" encoding="utf-8"?>
+<p:sld xmlns:a="http://schemas.openxmlformats.org/drawingml/2006/main" xmlns:r="http://schemas.openxmlformats.org/officeDocument/2006/relationships" xmlns:p="http://schemas.openxmlformats.org/presentationml/2006/main">
+  <p:cSld>
+    <p:spTree>
+      <p:nvGrpSpPr>
+        <p:cNvPr id="1" name="">
+          <a:extLst>
+            <a:ext uri="{FF2B5EF4-FFF2-40B4-BE49-F238E27FC236}">
+              <a16:creationId xmlns:a16="http://schemas.microsoft.com/office/drawing/2014/main" id="{9C384C69-9179-FA6F-6E98-8D761C67468F}"/>
+            </a:ext>
+          </a:extLst>
+        </p:cNvPr>
+        <p:cNvGrpSpPr/>
+        <p:nvPr/>
+      </p:nvGrpSpPr>
+      <p:grpSpPr>
+        <a:xfrm>
+          <a:off x="0" y="0"/>
+          <a:ext cx="0" cy="0"/>
+          <a:chOff x="0" y="0"/>
+          <a:chExt cx="0" cy="0"/>
+        </a:xfrm>
+      </p:grpSpPr>
+      <p:sp>
+        <p:nvSpPr>
+          <p:cNvPr id="9" name="TextBox 8">
+            <a:extLst>
+              <a:ext uri="{FF2B5EF4-FFF2-40B4-BE49-F238E27FC236}">
+                <a16:creationId xmlns:a16="http://schemas.microsoft.com/office/drawing/2014/main" id="{CDE76876-8992-7700-9254-1A0108A5CE60}"/>
+              </a:ext>
+            </a:extLst>
+          </p:cNvPr>
+          <p:cNvSpPr txBox="1"/>
+          <p:nvPr/>
+        </p:nvSpPr>
+        <p:spPr>
+          <a:xfrm>
+            <a:off x="2417583" y="113404"/>
+            <a:ext cx="7356833" cy="1200329"/>
+          </a:xfrm>
+          <a:prstGeom prst="rect">
+            <a:avLst/>
+          </a:prstGeom>
+          <a:noFill/>
+        </p:spPr>
+        <p:txBody>
+          <a:bodyPr wrap="square" rtlCol="0">
+            <a:spAutoFit/>
+          </a:bodyPr>
+          <a:lstStyle/>
+          <a:p>
+            <a:pPr algn="ctr"/>
+            <a:r>
+              <a:rPr lang="en-US" sz="7200" b="1" dirty="0">
+                <a:solidFill>
+                  <a:srgbClr val="31326F"/>
+                </a:solidFill>
+              </a:rPr>
+              <a:t>Project Overview</a:t>
+            </a:r>
+            <a:endParaRPr lang="en-IN" sz="7200" b="1" dirty="0">
+              <a:solidFill>
+                <a:srgbClr val="31326F"/>
+              </a:solidFill>
+            </a:endParaRPr>
+          </a:p>
+        </p:txBody>
+      </p:sp>
+      <p:pic>
+        <p:nvPicPr>
+          <p:cNvPr id="4" name="Picture 3">
+            <a:extLst>
+              <a:ext uri="{FF2B5EF4-FFF2-40B4-BE49-F238E27FC236}">
+                <a16:creationId xmlns:a16="http://schemas.microsoft.com/office/drawing/2014/main" id="{3371D96C-5915-EBFE-596B-9C71F367E68D}"/>
+              </a:ext>
+            </a:extLst>
+          </p:cNvPr>
+          <p:cNvPicPr>
+            <a:picLocks noChangeAspect="1"/>
+          </p:cNvPicPr>
+          <p:nvPr/>
+        </p:nvPicPr>
+        <p:blipFill>
+          <a:blip r:embed="rId2"/>
+          <a:stretch>
+            <a:fillRect/>
+          </a:stretch>
+        </p:blipFill>
+        <p:spPr>
+          <a:xfrm>
+            <a:off x="1398395" y="1200008"/>
+            <a:ext cx="9395209" cy="5260170"/>
+          </a:xfrm>
+          <a:prstGeom prst="rect">
+            <a:avLst/>
+          </a:prstGeom>
+        </p:spPr>
+      </p:pic>
+    </p:spTree>
+    <p:extLst>
+      <p:ext uri="{BB962C8B-B14F-4D97-AF65-F5344CB8AC3E}">
+        <p14:creationId xmlns:p14="http://schemas.microsoft.com/office/powerpoint/2010/main" val="914608958"/>
+      </p:ext>
+    </p:extLst>
+  </p:cSld>
+  <p:clrMapOvr>
+    <a:masterClrMapping/>
+  </p:clrMapOvr>
+  <mc:AlternateContent xmlns:mc="http://schemas.openxmlformats.org/markup-compatibility/2006">
+    <mc:Choice xmlns:p159="http://schemas.microsoft.com/office/powerpoint/2015/09/main" Requires="p159">
+      <p:transition xmlns:p14="http://schemas.microsoft.com/office/powerpoint/2010/main" spd="slow" p14:dur="2000">
+        <p159:morph option="byObject"/>
+      </p:transition>
+    </mc:Choice>
+    <mc:Fallback>
+      <p:transition spd="slow">
+        <p:fade/>
+      </p:transition>
+    </mc:Fallback>
+  </mc:AlternateContent>
+</p:sld>
+</file>
+
+<file path=ppt/slides/slide25.xml><?xml version="1.0" encoding="utf-8"?>
 <p:sld xmlns:a="http://schemas.openxmlformats.org/drawingml/2006/main" xmlns:r="http://schemas.openxmlformats.org/officeDocument/2006/relationships" xmlns:p="http://schemas.openxmlformats.org/presentationml/2006/main">
   <p:cSld>
     <p:spTree>

--- a/All Documentations And Reports/Presentation2.pptx
+++ b/All Documentations And Reports/Presentation2.pptx
@@ -24,12 +24,15 @@
     <p:sldId id="271" r:id="rId18"/>
     <p:sldId id="267" r:id="rId19"/>
     <p:sldId id="268" r:id="rId20"/>
-    <p:sldId id="275" r:id="rId21"/>
-    <p:sldId id="277" r:id="rId22"/>
-    <p:sldId id="278" r:id="rId23"/>
-    <p:sldId id="279" r:id="rId24"/>
-    <p:sldId id="280" r:id="rId25"/>
-    <p:sldId id="269" r:id="rId26"/>
+    <p:sldId id="281" r:id="rId21"/>
+    <p:sldId id="282" r:id="rId22"/>
+    <p:sldId id="283" r:id="rId23"/>
+    <p:sldId id="275" r:id="rId24"/>
+    <p:sldId id="277" r:id="rId25"/>
+    <p:sldId id="278" r:id="rId26"/>
+    <p:sldId id="279" r:id="rId27"/>
+    <p:sldId id="280" r:id="rId28"/>
+    <p:sldId id="269" r:id="rId29"/>
   </p:sldIdLst>
   <p:sldSz cx="12192000" cy="6858000"/>
   <p:notesSz cx="6858000" cy="9144000"/>
@@ -7178,7 +7181,7 @@
         <p:cNvPr id="1" name="">
           <a:extLst>
             <a:ext uri="{FF2B5EF4-FFF2-40B4-BE49-F238E27FC236}">
-              <a16:creationId xmlns:a16="http://schemas.microsoft.com/office/drawing/2014/main" id="{080886C9-314C-BCFA-EA69-FFBD971C2B74}"/>
+              <a16:creationId xmlns:a16="http://schemas.microsoft.com/office/drawing/2014/main" id="{D43F3CEC-8B59-2618-5DEB-47570AF0CBC6}"/>
             </a:ext>
           </a:extLst>
         </p:cNvPr>
@@ -7195,10 +7198,10 @@
       </p:grpSpPr>
       <p:sp>
         <p:nvSpPr>
-          <p:cNvPr id="9" name="TextBox 8">
-            <a:extLst>
-              <a:ext uri="{FF2B5EF4-FFF2-40B4-BE49-F238E27FC236}">
-                <a16:creationId xmlns:a16="http://schemas.microsoft.com/office/drawing/2014/main" id="{72AB8785-8483-172D-3EA9-2740170E4909}"/>
+          <p:cNvPr id="2" name="TextBox 1">
+            <a:extLst>
+              <a:ext uri="{FF2B5EF4-FFF2-40B4-BE49-F238E27FC236}">
+                <a16:creationId xmlns:a16="http://schemas.microsoft.com/office/drawing/2014/main" id="{C9C79D0C-5246-DD73-274F-FF34A2C5EB7B}"/>
               </a:ext>
             </a:extLst>
           </p:cNvPr>
@@ -7207,8 +7210,8 @@
         </p:nvSpPr>
         <p:spPr>
           <a:xfrm>
-            <a:off x="2417583" y="113404"/>
-            <a:ext cx="7356833" cy="1200329"/>
+            <a:off x="1337187" y="30290"/>
+            <a:ext cx="9517626" cy="1200329"/>
           </a:xfrm>
           <a:prstGeom prst="rect">
             <a:avLst/>
@@ -7228,7 +7231,7 @@
                   <a:srgbClr val="31326F"/>
                 </a:solidFill>
               </a:rPr>
-              <a:t>Project Overview</a:t>
+              <a:t>Test Cases</a:t>
             </a:r>
             <a:endParaRPr lang="en-IN" sz="7200" b="1" dirty="0">
               <a:solidFill>
@@ -7238,53 +7241,867 @@
           </a:p>
         </p:txBody>
       </p:sp>
-      <p:pic>
-        <p:nvPicPr>
-          <p:cNvPr id="3" name="Picture 2" descr="A screenshot of a dashboard&#10;&#10;AI-generated content may be incorrect.">
-            <a:extLst>
-              <a:ext uri="{FF2B5EF4-FFF2-40B4-BE49-F238E27FC236}">
-                <a16:creationId xmlns:a16="http://schemas.microsoft.com/office/drawing/2014/main" id="{321B8106-6599-4BFF-56F7-5092F778A3F9}"/>
-              </a:ext>
-            </a:extLst>
-          </p:cNvPr>
-          <p:cNvPicPr>
-            <a:picLocks noChangeAspect="1"/>
-          </p:cNvPicPr>
-          <p:nvPr/>
-        </p:nvPicPr>
-        <p:blipFill>
-          <a:blip r:embed="rId2"/>
-          <a:stretch>
-            <a:fillRect/>
-          </a:stretch>
-        </p:blipFill>
-        <p:spPr>
-          <a:xfrm>
-            <a:off x="1391263" y="1313733"/>
-            <a:ext cx="9409471" cy="5210737"/>
-          </a:xfrm>
-          <a:prstGeom prst="rect">
-            <a:avLst/>
-          </a:prstGeom>
-        </p:spPr>
-      </p:pic>
+      <p:graphicFrame>
+        <p:nvGraphicFramePr>
+          <p:cNvPr id="7" name="Table 6">
+            <a:extLst>
+              <a:ext uri="{FF2B5EF4-FFF2-40B4-BE49-F238E27FC236}">
+                <a16:creationId xmlns:a16="http://schemas.microsoft.com/office/drawing/2014/main" id="{FADA003A-3B84-9232-F776-AE7D3AFBEFCA}"/>
+              </a:ext>
+            </a:extLst>
+          </p:cNvPr>
+          <p:cNvGraphicFramePr>
+            <a:graphicFrameLocks noGrp="1"/>
+          </p:cNvGraphicFramePr>
+          <p:nvPr>
+            <p:extLst>
+              <p:ext uri="{D42A27DB-BD31-4B8C-83A1-F6EECF244321}">
+                <p14:modId xmlns:p14="http://schemas.microsoft.com/office/powerpoint/2010/main" val="369639326"/>
+              </p:ext>
+            </p:extLst>
+          </p:nvPr>
+        </p:nvGraphicFramePr>
+        <p:xfrm>
+          <a:off x="642374" y="1420706"/>
+          <a:ext cx="11072110" cy="4394540"/>
+        </p:xfrm>
+        <a:graphic>
+          <a:graphicData uri="http://schemas.openxmlformats.org/drawingml/2006/table">
+            <a:tbl>
+              <a:tblPr firstRow="1" bandRow="1">
+                <a:tableStyleId>{5C22544A-7EE6-4342-B048-85BDC9FD1C3A}</a:tableStyleId>
+              </a:tblPr>
+              <a:tblGrid>
+                <a:gridCol w="2214422">
+                  <a:extLst>
+                    <a:ext uri="{9D8B030D-6E8A-4147-A177-3AD203B41FA5}">
+                      <a16:colId xmlns:a16="http://schemas.microsoft.com/office/drawing/2014/main" val="4257388806"/>
+                    </a:ext>
+                  </a:extLst>
+                </a:gridCol>
+                <a:gridCol w="2214422">
+                  <a:extLst>
+                    <a:ext uri="{9D8B030D-6E8A-4147-A177-3AD203B41FA5}">
+                      <a16:colId xmlns:a16="http://schemas.microsoft.com/office/drawing/2014/main" val="2705366586"/>
+                    </a:ext>
+                  </a:extLst>
+                </a:gridCol>
+                <a:gridCol w="2214422">
+                  <a:extLst>
+                    <a:ext uri="{9D8B030D-6E8A-4147-A177-3AD203B41FA5}">
+                      <a16:colId xmlns:a16="http://schemas.microsoft.com/office/drawing/2014/main" val="3901192985"/>
+                    </a:ext>
+                  </a:extLst>
+                </a:gridCol>
+                <a:gridCol w="2214422">
+                  <a:extLst>
+                    <a:ext uri="{9D8B030D-6E8A-4147-A177-3AD203B41FA5}">
+                      <a16:colId xmlns:a16="http://schemas.microsoft.com/office/drawing/2014/main" val="3224819883"/>
+                    </a:ext>
+                  </a:extLst>
+                </a:gridCol>
+                <a:gridCol w="2214422">
+                  <a:extLst>
+                    <a:ext uri="{9D8B030D-6E8A-4147-A177-3AD203B41FA5}">
+                      <a16:colId xmlns:a16="http://schemas.microsoft.com/office/drawing/2014/main" val="3373165305"/>
+                    </a:ext>
+                  </a:extLst>
+                </a:gridCol>
+              </a:tblGrid>
+              <a:tr h="514774">
+                <a:tc>
+                  <a:txBody>
+                    <a:bodyPr/>
+                    <a:lstStyle/>
+                    <a:p>
+                      <a:pPr algn="ctr"/>
+                      <a:r>
+                        <a:rPr lang="en-US" b="1" dirty="0">
+                          <a:solidFill>
+                            <a:schemeClr val="bg1"/>
+                          </a:solidFill>
+                        </a:rPr>
+                        <a:t>Test Case Id</a:t>
+                      </a:r>
+                      <a:endParaRPr lang="en-IN" b="1" dirty="0">
+                        <a:solidFill>
+                          <a:schemeClr val="bg1"/>
+                        </a:solidFill>
+                      </a:endParaRPr>
+                    </a:p>
+                  </a:txBody>
+                  <a:tcPr>
+                    <a:solidFill>
+                      <a:srgbClr val="637AB9"/>
+                    </a:solidFill>
+                  </a:tcPr>
+                </a:tc>
+                <a:tc>
+                  <a:txBody>
+                    <a:bodyPr/>
+                    <a:lstStyle/>
+                    <a:p>
+                      <a:pPr algn="ctr"/>
+                      <a:r>
+                        <a:rPr lang="en-US" b="1" dirty="0">
+                          <a:solidFill>
+                            <a:schemeClr val="bg1"/>
+                          </a:solidFill>
+                        </a:rPr>
+                        <a:t>Test Case </a:t>
+                      </a:r>
+                      <a:endParaRPr lang="en-IN" b="1" dirty="0">
+                        <a:solidFill>
+                          <a:schemeClr val="bg1"/>
+                        </a:solidFill>
+                      </a:endParaRPr>
+                    </a:p>
+                  </a:txBody>
+                  <a:tcPr>
+                    <a:solidFill>
+                      <a:srgbClr val="637AB9"/>
+                    </a:solidFill>
+                  </a:tcPr>
+                </a:tc>
+                <a:tc>
+                  <a:txBody>
+                    <a:bodyPr/>
+                    <a:lstStyle/>
+                    <a:p>
+                      <a:pPr algn="ctr"/>
+                      <a:r>
+                        <a:rPr lang="en-US" b="1" dirty="0">
+                          <a:solidFill>
+                            <a:schemeClr val="bg1"/>
+                          </a:solidFill>
+                        </a:rPr>
+                        <a:t>Expected Result</a:t>
+                      </a:r>
+                      <a:endParaRPr lang="en-IN" b="1" dirty="0">
+                        <a:solidFill>
+                          <a:schemeClr val="bg1"/>
+                        </a:solidFill>
+                      </a:endParaRPr>
+                    </a:p>
+                  </a:txBody>
+                  <a:tcPr>
+                    <a:solidFill>
+                      <a:srgbClr val="637AB9"/>
+                    </a:solidFill>
+                  </a:tcPr>
+                </a:tc>
+                <a:tc>
+                  <a:txBody>
+                    <a:bodyPr/>
+                    <a:lstStyle/>
+                    <a:p>
+                      <a:pPr algn="ctr"/>
+                      <a:r>
+                        <a:rPr lang="en-US" b="1" dirty="0">
+                          <a:solidFill>
+                            <a:schemeClr val="bg1"/>
+                          </a:solidFill>
+                        </a:rPr>
+                        <a:t>Status</a:t>
+                      </a:r>
+                      <a:endParaRPr lang="en-IN" b="1" dirty="0">
+                        <a:solidFill>
+                          <a:schemeClr val="bg1"/>
+                        </a:solidFill>
+                      </a:endParaRPr>
+                    </a:p>
+                  </a:txBody>
+                  <a:tcPr>
+                    <a:solidFill>
+                      <a:srgbClr val="637AB9"/>
+                    </a:solidFill>
+                  </a:tcPr>
+                </a:tc>
+                <a:tc>
+                  <a:txBody>
+                    <a:bodyPr/>
+                    <a:lstStyle/>
+                    <a:p>
+                      <a:pPr algn="ctr"/>
+                      <a:r>
+                        <a:rPr lang="en-US" b="1" dirty="0">
+                          <a:solidFill>
+                            <a:schemeClr val="bg1"/>
+                          </a:solidFill>
+                        </a:rPr>
+                        <a:t>Module</a:t>
+                      </a:r>
+                      <a:endParaRPr lang="en-IN" b="1" dirty="0">
+                        <a:solidFill>
+                          <a:schemeClr val="bg1"/>
+                        </a:solidFill>
+                      </a:endParaRPr>
+                    </a:p>
+                  </a:txBody>
+                  <a:tcPr>
+                    <a:solidFill>
+                      <a:srgbClr val="637AB9"/>
+                    </a:solidFill>
+                  </a:tcPr>
+                </a:tc>
+                <a:extLst>
+                  <a:ext uri="{0D108BD9-81ED-4DB2-BD59-A6C34878D82A}">
+                    <a16:rowId xmlns:a16="http://schemas.microsoft.com/office/drawing/2014/main" val="3142017660"/>
+                  </a:ext>
+                </a:extLst>
+              </a:tr>
+              <a:tr h="515451">
+                <a:tc>
+                  <a:txBody>
+                    <a:bodyPr/>
+                    <a:lstStyle/>
+                    <a:p>
+                      <a:pPr algn="ctr"/>
+                      <a:r>
+                        <a:rPr lang="en-US" b="1" dirty="0">
+                          <a:solidFill>
+                            <a:schemeClr val="bg1"/>
+                          </a:solidFill>
+                        </a:rPr>
+                        <a:t>TC 1</a:t>
+                      </a:r>
+                      <a:endParaRPr lang="en-IN" b="1" dirty="0">
+                        <a:solidFill>
+                          <a:schemeClr val="bg1"/>
+                        </a:solidFill>
+                      </a:endParaRPr>
+                    </a:p>
+                  </a:txBody>
+                  <a:tcPr>
+                    <a:solidFill>
+                      <a:srgbClr val="637AB9"/>
+                    </a:solidFill>
+                  </a:tcPr>
+                </a:tc>
+                <a:tc>
+                  <a:txBody>
+                    <a:bodyPr/>
+                    <a:lstStyle/>
+                    <a:p>
+                      <a:r>
+                        <a:rPr lang="en-IN" b="1" dirty="0">
+                          <a:solidFill>
+                            <a:schemeClr val="bg1"/>
+                          </a:solidFill>
+                        </a:rPr>
+                        <a:t>Missing Values Detection</a:t>
+                      </a:r>
+                    </a:p>
+                  </a:txBody>
+                  <a:tcPr>
+                    <a:solidFill>
+                      <a:srgbClr val="637AB9"/>
+                    </a:solidFill>
+                  </a:tcPr>
+                </a:tc>
+                <a:tc>
+                  <a:txBody>
+                    <a:bodyPr/>
+                    <a:lstStyle/>
+                    <a:p>
+                      <a:r>
+                        <a:rPr lang="en-US" b="1" dirty="0">
+                          <a:solidFill>
+                            <a:schemeClr val="bg1"/>
+                          </a:solidFill>
+                        </a:rPr>
+                        <a:t>Summary table shows % of missing values for each column.</a:t>
+                      </a:r>
+                      <a:endParaRPr lang="en-IN" b="1" dirty="0">
+                        <a:solidFill>
+                          <a:schemeClr val="bg1"/>
+                        </a:solidFill>
+                      </a:endParaRPr>
+                    </a:p>
+                  </a:txBody>
+                  <a:tcPr>
+                    <a:solidFill>
+                      <a:srgbClr val="637AB9"/>
+                    </a:solidFill>
+                  </a:tcPr>
+                </a:tc>
+                <a:tc>
+                  <a:txBody>
+                    <a:bodyPr/>
+                    <a:lstStyle/>
+                    <a:p>
+                      <a:r>
+                        <a:rPr lang="en-US" b="1" dirty="0">
+                          <a:solidFill>
+                            <a:schemeClr val="bg1"/>
+                          </a:solidFill>
+                        </a:rPr>
+                        <a:t>Done</a:t>
+                      </a:r>
+                      <a:endParaRPr lang="en-IN" b="1" dirty="0">
+                        <a:solidFill>
+                          <a:schemeClr val="bg1"/>
+                        </a:solidFill>
+                      </a:endParaRPr>
+                    </a:p>
+                  </a:txBody>
+                  <a:tcPr>
+                    <a:solidFill>
+                      <a:srgbClr val="637AB9"/>
+                    </a:solidFill>
+                  </a:tcPr>
+                </a:tc>
+                <a:tc>
+                  <a:txBody>
+                    <a:bodyPr/>
+                    <a:lstStyle/>
+                    <a:p>
+                      <a:r>
+                        <a:rPr lang="en-US" b="1" dirty="0" err="1">
+                          <a:solidFill>
+                            <a:schemeClr val="bg1"/>
+                          </a:solidFill>
+                        </a:rPr>
+                        <a:t>Jupyter</a:t>
+                      </a:r>
+                      <a:r>
+                        <a:rPr lang="en-US" b="1" dirty="0">
+                          <a:solidFill>
+                            <a:schemeClr val="bg1"/>
+                          </a:solidFill>
+                        </a:rPr>
+                        <a:t> Notebook</a:t>
+                      </a:r>
+                      <a:endParaRPr lang="en-IN" b="1" dirty="0">
+                        <a:solidFill>
+                          <a:schemeClr val="bg1"/>
+                        </a:solidFill>
+                      </a:endParaRPr>
+                    </a:p>
+                  </a:txBody>
+                  <a:tcPr>
+                    <a:solidFill>
+                      <a:srgbClr val="637AB9"/>
+                    </a:solidFill>
+                  </a:tcPr>
+                </a:tc>
+                <a:extLst>
+                  <a:ext uri="{0D108BD9-81ED-4DB2-BD59-A6C34878D82A}">
+                    <a16:rowId xmlns:a16="http://schemas.microsoft.com/office/drawing/2014/main" val="3891288603"/>
+                  </a:ext>
+                </a:extLst>
+              </a:tr>
+              <a:tr h="888323">
+                <a:tc>
+                  <a:txBody>
+                    <a:bodyPr/>
+                    <a:lstStyle/>
+                    <a:p>
+                      <a:pPr algn="ctr"/>
+                      <a:r>
+                        <a:rPr lang="en-US" b="1" dirty="0">
+                          <a:solidFill>
+                            <a:schemeClr val="bg1"/>
+                          </a:solidFill>
+                        </a:rPr>
+                        <a:t>TC 2</a:t>
+                      </a:r>
+                      <a:endParaRPr lang="en-IN" b="1" dirty="0">
+                        <a:solidFill>
+                          <a:schemeClr val="bg1"/>
+                        </a:solidFill>
+                      </a:endParaRPr>
+                    </a:p>
+                  </a:txBody>
+                  <a:tcPr>
+                    <a:solidFill>
+                      <a:srgbClr val="637AB9"/>
+                    </a:solidFill>
+                  </a:tcPr>
+                </a:tc>
+                <a:tc>
+                  <a:txBody>
+                    <a:bodyPr/>
+                    <a:lstStyle/>
+                    <a:p>
+                      <a:r>
+                        <a:rPr lang="en-IN" b="1" dirty="0">
+                          <a:solidFill>
+                            <a:schemeClr val="bg1"/>
+                          </a:solidFill>
+                        </a:rPr>
+                        <a:t>Outlier Detection</a:t>
+                      </a:r>
+                    </a:p>
+                  </a:txBody>
+                  <a:tcPr>
+                    <a:solidFill>
+                      <a:srgbClr val="637AB9"/>
+                    </a:solidFill>
+                  </a:tcPr>
+                </a:tc>
+                <a:tc>
+                  <a:txBody>
+                    <a:bodyPr/>
+                    <a:lstStyle/>
+                    <a:p>
+                      <a:r>
+                        <a:rPr lang="en-IN" b="1" dirty="0">
+                          <a:solidFill>
+                            <a:schemeClr val="bg1"/>
+                          </a:solidFill>
+                        </a:rPr>
+                        <a:t>Boxplots or IQR logic identifies outliers.</a:t>
+                      </a:r>
+                    </a:p>
+                  </a:txBody>
+                  <a:tcPr>
+                    <a:solidFill>
+                      <a:srgbClr val="637AB9"/>
+                    </a:solidFill>
+                  </a:tcPr>
+                </a:tc>
+                <a:tc>
+                  <a:txBody>
+                    <a:bodyPr/>
+                    <a:lstStyle/>
+                    <a:p>
+                      <a:r>
+                        <a:rPr lang="en-US" b="1" dirty="0">
+                          <a:solidFill>
+                            <a:schemeClr val="bg1"/>
+                          </a:solidFill>
+                        </a:rPr>
+                        <a:t>Done</a:t>
+                      </a:r>
+                      <a:endParaRPr lang="en-IN" b="1" dirty="0">
+                        <a:solidFill>
+                          <a:schemeClr val="bg1"/>
+                        </a:solidFill>
+                      </a:endParaRPr>
+                    </a:p>
+                  </a:txBody>
+                  <a:tcPr>
+                    <a:solidFill>
+                      <a:srgbClr val="637AB9"/>
+                    </a:solidFill>
+                  </a:tcPr>
+                </a:tc>
+                <a:tc>
+                  <a:txBody>
+                    <a:bodyPr/>
+                    <a:lstStyle/>
+                    <a:p>
+                      <a:pPr marL="0" marR="0" lvl="0" indent="0" algn="l" defTabSz="914400" rtl="0" eaLnBrk="1" fontAlgn="auto" latinLnBrk="0" hangingPunct="1">
+                        <a:lnSpc>
+                          <a:spcPct val="100000"/>
+                        </a:lnSpc>
+                        <a:spcBef>
+                          <a:spcPts val="0"/>
+                        </a:spcBef>
+                        <a:spcAft>
+                          <a:spcPts val="0"/>
+                        </a:spcAft>
+                        <a:buClrTx/>
+                        <a:buSzTx/>
+                        <a:buFontTx/>
+                        <a:buNone/>
+                        <a:tabLst/>
+                        <a:defRPr/>
+                      </a:pPr>
+                      <a:r>
+                        <a:rPr lang="en-US" b="1" dirty="0" err="1">
+                          <a:solidFill>
+                            <a:schemeClr val="bg1"/>
+                          </a:solidFill>
+                        </a:rPr>
+                        <a:t>Jupyter</a:t>
+                      </a:r>
+                      <a:r>
+                        <a:rPr lang="en-US" b="1" dirty="0">
+                          <a:solidFill>
+                            <a:schemeClr val="bg1"/>
+                          </a:solidFill>
+                        </a:rPr>
+                        <a:t> Notebook</a:t>
+                      </a:r>
+                      <a:endParaRPr lang="en-IN" b="1" dirty="0">
+                        <a:solidFill>
+                          <a:schemeClr val="bg1"/>
+                        </a:solidFill>
+                      </a:endParaRPr>
+                    </a:p>
+                    <a:p>
+                      <a:endParaRPr lang="en-IN" b="1" dirty="0">
+                        <a:solidFill>
+                          <a:schemeClr val="bg1"/>
+                        </a:solidFill>
+                      </a:endParaRPr>
+                    </a:p>
+                  </a:txBody>
+                  <a:tcPr>
+                    <a:solidFill>
+                      <a:srgbClr val="637AB9"/>
+                    </a:solidFill>
+                  </a:tcPr>
+                </a:tc>
+                <a:extLst>
+                  <a:ext uri="{0D108BD9-81ED-4DB2-BD59-A6C34878D82A}">
+                    <a16:rowId xmlns:a16="http://schemas.microsoft.com/office/drawing/2014/main" val="717255530"/>
+                  </a:ext>
+                </a:extLst>
+              </a:tr>
+              <a:tr h="888323">
+                <a:tc>
+                  <a:txBody>
+                    <a:bodyPr/>
+                    <a:lstStyle/>
+                    <a:p>
+                      <a:pPr algn="ctr"/>
+                      <a:r>
+                        <a:rPr lang="en-US" b="1" dirty="0">
+                          <a:solidFill>
+                            <a:schemeClr val="bg1"/>
+                          </a:solidFill>
+                        </a:rPr>
+                        <a:t>TC 3</a:t>
+                      </a:r>
+                      <a:endParaRPr lang="en-IN" b="1" dirty="0">
+                        <a:solidFill>
+                          <a:schemeClr val="bg1"/>
+                        </a:solidFill>
+                      </a:endParaRPr>
+                    </a:p>
+                  </a:txBody>
+                  <a:tcPr>
+                    <a:solidFill>
+                      <a:srgbClr val="637AB9"/>
+                    </a:solidFill>
+                  </a:tcPr>
+                </a:tc>
+                <a:tc>
+                  <a:txBody>
+                    <a:bodyPr/>
+                    <a:lstStyle/>
+                    <a:p>
+                      <a:r>
+                        <a:rPr lang="en-IN" b="1" dirty="0">
+                          <a:solidFill>
+                            <a:schemeClr val="bg1"/>
+                          </a:solidFill>
+                        </a:rPr>
+                        <a:t>Incorrect Data Types</a:t>
+                      </a:r>
+                    </a:p>
+                  </a:txBody>
+                  <a:tcPr>
+                    <a:solidFill>
+                      <a:srgbClr val="637AB9"/>
+                    </a:solidFill>
+                  </a:tcPr>
+                </a:tc>
+                <a:tc>
+                  <a:txBody>
+                    <a:bodyPr/>
+                    <a:lstStyle/>
+                    <a:p>
+                      <a:r>
+                        <a:rPr lang="en-US" b="1" dirty="0">
+                          <a:solidFill>
+                            <a:schemeClr val="bg1"/>
+                          </a:solidFill>
+                        </a:rPr>
+                        <a:t>Verify data types are validated.</a:t>
+                      </a:r>
+                      <a:endParaRPr lang="en-IN" b="1" dirty="0">
+                        <a:solidFill>
+                          <a:schemeClr val="bg1"/>
+                        </a:solidFill>
+                      </a:endParaRPr>
+                    </a:p>
+                  </a:txBody>
+                  <a:tcPr>
+                    <a:solidFill>
+                      <a:srgbClr val="637AB9"/>
+                    </a:solidFill>
+                  </a:tcPr>
+                </a:tc>
+                <a:tc>
+                  <a:txBody>
+                    <a:bodyPr/>
+                    <a:lstStyle/>
+                    <a:p>
+                      <a:r>
+                        <a:rPr lang="en-US" b="1" dirty="0">
+                          <a:solidFill>
+                            <a:schemeClr val="bg1"/>
+                          </a:solidFill>
+                        </a:rPr>
+                        <a:t>Done</a:t>
+                      </a:r>
+                      <a:endParaRPr lang="en-IN" b="1" dirty="0">
+                        <a:solidFill>
+                          <a:schemeClr val="bg1"/>
+                        </a:solidFill>
+                      </a:endParaRPr>
+                    </a:p>
+                  </a:txBody>
+                  <a:tcPr>
+                    <a:solidFill>
+                      <a:srgbClr val="637AB9"/>
+                    </a:solidFill>
+                  </a:tcPr>
+                </a:tc>
+                <a:tc>
+                  <a:txBody>
+                    <a:bodyPr/>
+                    <a:lstStyle/>
+                    <a:p>
+                      <a:pPr marL="0" marR="0" lvl="0" indent="0" algn="l" defTabSz="914400" rtl="0" eaLnBrk="1" fontAlgn="auto" latinLnBrk="0" hangingPunct="1">
+                        <a:lnSpc>
+                          <a:spcPct val="100000"/>
+                        </a:lnSpc>
+                        <a:spcBef>
+                          <a:spcPts val="0"/>
+                        </a:spcBef>
+                        <a:spcAft>
+                          <a:spcPts val="0"/>
+                        </a:spcAft>
+                        <a:buClrTx/>
+                        <a:buSzTx/>
+                        <a:buFontTx/>
+                        <a:buNone/>
+                        <a:tabLst/>
+                        <a:defRPr/>
+                      </a:pPr>
+                      <a:r>
+                        <a:rPr lang="en-US" b="1" dirty="0" err="1">
+                          <a:solidFill>
+                            <a:schemeClr val="bg1"/>
+                          </a:solidFill>
+                        </a:rPr>
+                        <a:t>Jupyter</a:t>
+                      </a:r>
+                      <a:r>
+                        <a:rPr lang="en-US" b="1" dirty="0">
+                          <a:solidFill>
+                            <a:schemeClr val="bg1"/>
+                          </a:solidFill>
+                        </a:rPr>
+                        <a:t> Notebook</a:t>
+                      </a:r>
+                      <a:endParaRPr lang="en-IN" b="1" dirty="0">
+                        <a:solidFill>
+                          <a:schemeClr val="bg1"/>
+                        </a:solidFill>
+                      </a:endParaRPr>
+                    </a:p>
+                    <a:p>
+                      <a:endParaRPr lang="en-IN" b="1" dirty="0">
+                        <a:solidFill>
+                          <a:schemeClr val="bg1"/>
+                        </a:solidFill>
+                      </a:endParaRPr>
+                    </a:p>
+                  </a:txBody>
+                  <a:tcPr>
+                    <a:solidFill>
+                      <a:srgbClr val="637AB9"/>
+                    </a:solidFill>
+                  </a:tcPr>
+                </a:tc>
+                <a:extLst>
+                  <a:ext uri="{0D108BD9-81ED-4DB2-BD59-A6C34878D82A}">
+                    <a16:rowId xmlns:a16="http://schemas.microsoft.com/office/drawing/2014/main" val="1496755062"/>
+                  </a:ext>
+                </a:extLst>
+              </a:tr>
+              <a:tr h="888323">
+                <a:tc>
+                  <a:txBody>
+                    <a:bodyPr/>
+                    <a:lstStyle/>
+                    <a:p>
+                      <a:pPr algn="ctr"/>
+                      <a:r>
+                        <a:rPr lang="en-US" b="1" dirty="0">
+                          <a:solidFill>
+                            <a:schemeClr val="bg1"/>
+                          </a:solidFill>
+                        </a:rPr>
+                        <a:t>TC 4</a:t>
+                      </a:r>
+                      <a:endParaRPr lang="en-IN" b="1" dirty="0">
+                        <a:solidFill>
+                          <a:schemeClr val="bg1"/>
+                        </a:solidFill>
+                      </a:endParaRPr>
+                    </a:p>
+                  </a:txBody>
+                  <a:tcPr>
+                    <a:solidFill>
+                      <a:srgbClr val="637AB9"/>
+                    </a:solidFill>
+                  </a:tcPr>
+                </a:tc>
+                <a:tc>
+                  <a:txBody>
+                    <a:bodyPr/>
+                    <a:lstStyle/>
+                    <a:p>
+                      <a:r>
+                        <a:rPr lang="en-IN" b="1" dirty="0">
+                          <a:solidFill>
+                            <a:schemeClr val="bg1"/>
+                          </a:solidFill>
+                        </a:rPr>
+                        <a:t>Invalid Categorical Values</a:t>
+                      </a:r>
+                    </a:p>
+                  </a:txBody>
+                  <a:tcPr>
+                    <a:solidFill>
+                      <a:srgbClr val="637AB9"/>
+                    </a:solidFill>
+                  </a:tcPr>
+                </a:tc>
+                <a:tc>
+                  <a:txBody>
+                    <a:bodyPr/>
+                    <a:lstStyle/>
+                    <a:p>
+                      <a:r>
+                        <a:rPr lang="en-US" b="1" dirty="0">
+                          <a:solidFill>
+                            <a:schemeClr val="bg1"/>
+                          </a:solidFill>
+                        </a:rPr>
+                        <a:t>Ensure only valid categories exist.</a:t>
+                      </a:r>
+                      <a:endParaRPr lang="en-IN" b="1" dirty="0">
+                        <a:solidFill>
+                          <a:schemeClr val="bg1"/>
+                        </a:solidFill>
+                      </a:endParaRPr>
+                    </a:p>
+                  </a:txBody>
+                  <a:tcPr>
+                    <a:solidFill>
+                      <a:srgbClr val="637AB9"/>
+                    </a:solidFill>
+                  </a:tcPr>
+                </a:tc>
+                <a:tc>
+                  <a:txBody>
+                    <a:bodyPr/>
+                    <a:lstStyle/>
+                    <a:p>
+                      <a:r>
+                        <a:rPr lang="en-US" b="1" dirty="0">
+                          <a:solidFill>
+                            <a:schemeClr val="bg1"/>
+                          </a:solidFill>
+                        </a:rPr>
+                        <a:t>Done</a:t>
+                      </a:r>
+                      <a:endParaRPr lang="en-IN" b="1" dirty="0">
+                        <a:solidFill>
+                          <a:schemeClr val="bg1"/>
+                        </a:solidFill>
+                      </a:endParaRPr>
+                    </a:p>
+                  </a:txBody>
+                  <a:tcPr>
+                    <a:solidFill>
+                      <a:srgbClr val="637AB9"/>
+                    </a:solidFill>
+                  </a:tcPr>
+                </a:tc>
+                <a:tc>
+                  <a:txBody>
+                    <a:bodyPr/>
+                    <a:lstStyle/>
+                    <a:p>
+                      <a:pPr marL="0" marR="0" lvl="0" indent="0" algn="l" defTabSz="914400" rtl="0" eaLnBrk="1" fontAlgn="auto" latinLnBrk="0" hangingPunct="1">
+                        <a:lnSpc>
+                          <a:spcPct val="100000"/>
+                        </a:lnSpc>
+                        <a:spcBef>
+                          <a:spcPts val="0"/>
+                        </a:spcBef>
+                        <a:spcAft>
+                          <a:spcPts val="0"/>
+                        </a:spcAft>
+                        <a:buClrTx/>
+                        <a:buSzTx/>
+                        <a:buFontTx/>
+                        <a:buNone/>
+                        <a:tabLst/>
+                        <a:defRPr/>
+                      </a:pPr>
+                      <a:r>
+                        <a:rPr lang="en-US" b="1" dirty="0" err="1">
+                          <a:solidFill>
+                            <a:schemeClr val="bg1"/>
+                          </a:solidFill>
+                        </a:rPr>
+                        <a:t>Jupyter</a:t>
+                      </a:r>
+                      <a:r>
+                        <a:rPr lang="en-US" b="1" dirty="0">
+                          <a:solidFill>
+                            <a:schemeClr val="bg1"/>
+                          </a:solidFill>
+                        </a:rPr>
+                        <a:t> Notebook</a:t>
+                      </a:r>
+                      <a:endParaRPr lang="en-IN" b="1" dirty="0">
+                        <a:solidFill>
+                          <a:schemeClr val="bg1"/>
+                        </a:solidFill>
+                      </a:endParaRPr>
+                    </a:p>
+                    <a:p>
+                      <a:endParaRPr lang="en-IN" b="1" dirty="0">
+                        <a:solidFill>
+                          <a:schemeClr val="bg1"/>
+                        </a:solidFill>
+                      </a:endParaRPr>
+                    </a:p>
+                  </a:txBody>
+                  <a:tcPr>
+                    <a:solidFill>
+                      <a:srgbClr val="637AB9"/>
+                    </a:solidFill>
+                  </a:tcPr>
+                </a:tc>
+                <a:extLst>
+                  <a:ext uri="{0D108BD9-81ED-4DB2-BD59-A6C34878D82A}">
+                    <a16:rowId xmlns:a16="http://schemas.microsoft.com/office/drawing/2014/main" val="3881858993"/>
+                  </a:ext>
+                </a:extLst>
+              </a:tr>
+            </a:tbl>
+          </a:graphicData>
+        </a:graphic>
+      </p:graphicFrame>
     </p:spTree>
     <p:extLst>
       <p:ext uri="{BB962C8B-B14F-4D97-AF65-F5344CB8AC3E}">
-        <p14:creationId xmlns:p14="http://schemas.microsoft.com/office/powerpoint/2010/main" val="1136789168"/>
+        <p14:creationId xmlns:p14="http://schemas.microsoft.com/office/powerpoint/2010/main" val="2270552134"/>
       </p:ext>
     </p:extLst>
   </p:cSld>
   <p:clrMapOvr>
     <a:masterClrMapping/>
   </p:clrMapOvr>
-  <mc:AlternateContent xmlns:mc="http://schemas.openxmlformats.org/markup-compatibility/2006" xmlns:p159="http://schemas.microsoft.com/office/powerpoint/2015/09/main">
-    <mc:Choice Requires="p159">
+  <mc:AlternateContent xmlns:mc="http://schemas.openxmlformats.org/markup-compatibility/2006">
+    <mc:Choice xmlns:p159="http://schemas.microsoft.com/office/powerpoint/2015/09/main" Requires="p159">
       <p:transition xmlns:p14="http://schemas.microsoft.com/office/powerpoint/2010/main" spd="slow" p14:dur="2000">
         <p159:morph option="byObject"/>
       </p:transition>
     </mc:Choice>
-    <mc:Fallback xmlns="">
+    <mc:Fallback>
       <p:transition spd="slow">
         <p:fade/>
       </p:transition>
@@ -7301,7 +8118,7 @@
         <p:cNvPr id="1" name="">
           <a:extLst>
             <a:ext uri="{FF2B5EF4-FFF2-40B4-BE49-F238E27FC236}">
-              <a16:creationId xmlns:a16="http://schemas.microsoft.com/office/drawing/2014/main" id="{DEF3A8E3-C6DC-926E-C820-71CDD0F885B9}"/>
+              <a16:creationId xmlns:a16="http://schemas.microsoft.com/office/drawing/2014/main" id="{558C737A-7934-D4BD-AA22-155B3F4DC31C}"/>
             </a:ext>
           </a:extLst>
         </p:cNvPr>
@@ -7318,10 +8135,10 @@
       </p:grpSpPr>
       <p:sp>
         <p:nvSpPr>
-          <p:cNvPr id="9" name="TextBox 8">
-            <a:extLst>
-              <a:ext uri="{FF2B5EF4-FFF2-40B4-BE49-F238E27FC236}">
-                <a16:creationId xmlns:a16="http://schemas.microsoft.com/office/drawing/2014/main" id="{AF90584C-950E-E243-5DF2-931400006A59}"/>
+          <p:cNvPr id="2" name="TextBox 1">
+            <a:extLst>
+              <a:ext uri="{FF2B5EF4-FFF2-40B4-BE49-F238E27FC236}">
+                <a16:creationId xmlns:a16="http://schemas.microsoft.com/office/drawing/2014/main" id="{A1210E11-B644-E6B8-1511-DB020299DBBD}"/>
               </a:ext>
             </a:extLst>
           </p:cNvPr>
@@ -7330,8 +8147,8 @@
         </p:nvSpPr>
         <p:spPr>
           <a:xfrm>
-            <a:off x="2417583" y="113404"/>
-            <a:ext cx="7356833" cy="1200329"/>
+            <a:off x="1337187" y="30290"/>
+            <a:ext cx="9517626" cy="1200329"/>
           </a:xfrm>
           <a:prstGeom prst="rect">
             <a:avLst/>
@@ -7351,7 +8168,7 @@
                   <a:srgbClr val="31326F"/>
                 </a:solidFill>
               </a:rPr>
-              <a:t>Project Overview</a:t>
+              <a:t>Test Cases</a:t>
             </a:r>
             <a:endParaRPr lang="en-IN" sz="7200" b="1" dirty="0">
               <a:solidFill>
@@ -7361,40 +8178,817 @@
           </a:p>
         </p:txBody>
       </p:sp>
-      <p:pic>
-        <p:nvPicPr>
-          <p:cNvPr id="4" name="Picture 3" descr="A screenshot of a graph&#10;&#10;AI-generated content may be incorrect.">
-            <a:extLst>
-              <a:ext uri="{FF2B5EF4-FFF2-40B4-BE49-F238E27FC236}">
-                <a16:creationId xmlns:a16="http://schemas.microsoft.com/office/drawing/2014/main" id="{7646FADA-F203-CF84-7C4A-8CC31158C0E2}"/>
-              </a:ext>
-            </a:extLst>
-          </p:cNvPr>
-          <p:cNvPicPr>
-            <a:picLocks noChangeAspect="1"/>
-          </p:cNvPicPr>
-          <p:nvPr/>
-        </p:nvPicPr>
-        <p:blipFill>
-          <a:blip r:embed="rId2"/>
-          <a:stretch>
-            <a:fillRect/>
-          </a:stretch>
-        </p:blipFill>
-        <p:spPr>
-          <a:xfrm>
-            <a:off x="1455174" y="1313733"/>
-            <a:ext cx="9281651" cy="5109165"/>
-          </a:xfrm>
-          <a:prstGeom prst="rect">
-            <a:avLst/>
-          </a:prstGeom>
-        </p:spPr>
-      </p:pic>
+      <p:graphicFrame>
+        <p:nvGraphicFramePr>
+          <p:cNvPr id="7" name="Table 6">
+            <a:extLst>
+              <a:ext uri="{FF2B5EF4-FFF2-40B4-BE49-F238E27FC236}">
+                <a16:creationId xmlns:a16="http://schemas.microsoft.com/office/drawing/2014/main" id="{154AB692-DC01-BD99-63E4-AB6E2BB2A919}"/>
+              </a:ext>
+            </a:extLst>
+          </p:cNvPr>
+          <p:cNvGraphicFramePr>
+            <a:graphicFrameLocks noGrp="1"/>
+          </p:cNvGraphicFramePr>
+          <p:nvPr>
+            <p:extLst>
+              <p:ext uri="{D42A27DB-BD31-4B8C-83A1-F6EECF244321}">
+                <p14:modId xmlns:p14="http://schemas.microsoft.com/office/powerpoint/2010/main" val="2032313403"/>
+              </p:ext>
+            </p:extLst>
+          </p:nvPr>
+        </p:nvGraphicFramePr>
+        <p:xfrm>
+          <a:off x="642374" y="1420706"/>
+          <a:ext cx="11072110" cy="4146297"/>
+        </p:xfrm>
+        <a:graphic>
+          <a:graphicData uri="http://schemas.openxmlformats.org/drawingml/2006/table">
+            <a:tbl>
+              <a:tblPr firstRow="1" bandRow="1">
+                <a:tableStyleId>{5C22544A-7EE6-4342-B048-85BDC9FD1C3A}</a:tableStyleId>
+              </a:tblPr>
+              <a:tblGrid>
+                <a:gridCol w="2214422">
+                  <a:extLst>
+                    <a:ext uri="{9D8B030D-6E8A-4147-A177-3AD203B41FA5}">
+                      <a16:colId xmlns:a16="http://schemas.microsoft.com/office/drawing/2014/main" val="4257388806"/>
+                    </a:ext>
+                  </a:extLst>
+                </a:gridCol>
+                <a:gridCol w="2214422">
+                  <a:extLst>
+                    <a:ext uri="{9D8B030D-6E8A-4147-A177-3AD203B41FA5}">
+                      <a16:colId xmlns:a16="http://schemas.microsoft.com/office/drawing/2014/main" val="2705366586"/>
+                    </a:ext>
+                  </a:extLst>
+                </a:gridCol>
+                <a:gridCol w="2214422">
+                  <a:extLst>
+                    <a:ext uri="{9D8B030D-6E8A-4147-A177-3AD203B41FA5}">
+                      <a16:colId xmlns:a16="http://schemas.microsoft.com/office/drawing/2014/main" val="3901192985"/>
+                    </a:ext>
+                  </a:extLst>
+                </a:gridCol>
+                <a:gridCol w="2214422">
+                  <a:extLst>
+                    <a:ext uri="{9D8B030D-6E8A-4147-A177-3AD203B41FA5}">
+                      <a16:colId xmlns:a16="http://schemas.microsoft.com/office/drawing/2014/main" val="3224819883"/>
+                    </a:ext>
+                  </a:extLst>
+                </a:gridCol>
+                <a:gridCol w="2214422">
+                  <a:extLst>
+                    <a:ext uri="{9D8B030D-6E8A-4147-A177-3AD203B41FA5}">
+                      <a16:colId xmlns:a16="http://schemas.microsoft.com/office/drawing/2014/main" val="1956129213"/>
+                    </a:ext>
+                  </a:extLst>
+                </a:gridCol>
+              </a:tblGrid>
+              <a:tr h="514774">
+                <a:tc>
+                  <a:txBody>
+                    <a:bodyPr/>
+                    <a:lstStyle/>
+                    <a:p>
+                      <a:pPr algn="ctr"/>
+                      <a:r>
+                        <a:rPr lang="en-US" b="1" dirty="0">
+                          <a:solidFill>
+                            <a:schemeClr val="bg1"/>
+                          </a:solidFill>
+                        </a:rPr>
+                        <a:t>Test Case Id</a:t>
+                      </a:r>
+                      <a:endParaRPr lang="en-IN" b="1" dirty="0">
+                        <a:solidFill>
+                          <a:schemeClr val="bg1"/>
+                        </a:solidFill>
+                      </a:endParaRPr>
+                    </a:p>
+                  </a:txBody>
+                  <a:tcPr>
+                    <a:solidFill>
+                      <a:srgbClr val="637AB9"/>
+                    </a:solidFill>
+                  </a:tcPr>
+                </a:tc>
+                <a:tc>
+                  <a:txBody>
+                    <a:bodyPr/>
+                    <a:lstStyle/>
+                    <a:p>
+                      <a:pPr algn="ctr"/>
+                      <a:r>
+                        <a:rPr lang="en-US" b="1" dirty="0">
+                          <a:solidFill>
+                            <a:schemeClr val="bg1"/>
+                          </a:solidFill>
+                        </a:rPr>
+                        <a:t>Test Case </a:t>
+                      </a:r>
+                      <a:endParaRPr lang="en-IN" b="1" dirty="0">
+                        <a:solidFill>
+                          <a:schemeClr val="bg1"/>
+                        </a:solidFill>
+                      </a:endParaRPr>
+                    </a:p>
+                  </a:txBody>
+                  <a:tcPr>
+                    <a:solidFill>
+                      <a:srgbClr val="637AB9"/>
+                    </a:solidFill>
+                  </a:tcPr>
+                </a:tc>
+                <a:tc>
+                  <a:txBody>
+                    <a:bodyPr/>
+                    <a:lstStyle/>
+                    <a:p>
+                      <a:pPr algn="ctr"/>
+                      <a:r>
+                        <a:rPr lang="en-US" b="1" dirty="0">
+                          <a:solidFill>
+                            <a:schemeClr val="bg1"/>
+                          </a:solidFill>
+                        </a:rPr>
+                        <a:t>Expected Result</a:t>
+                      </a:r>
+                      <a:endParaRPr lang="en-IN" b="1" dirty="0">
+                        <a:solidFill>
+                          <a:schemeClr val="bg1"/>
+                        </a:solidFill>
+                      </a:endParaRPr>
+                    </a:p>
+                  </a:txBody>
+                  <a:tcPr>
+                    <a:solidFill>
+                      <a:srgbClr val="637AB9"/>
+                    </a:solidFill>
+                  </a:tcPr>
+                </a:tc>
+                <a:tc>
+                  <a:txBody>
+                    <a:bodyPr/>
+                    <a:lstStyle/>
+                    <a:p>
+                      <a:pPr algn="ctr"/>
+                      <a:r>
+                        <a:rPr lang="en-US" b="1" dirty="0">
+                          <a:solidFill>
+                            <a:schemeClr val="bg1"/>
+                          </a:solidFill>
+                        </a:rPr>
+                        <a:t>Status</a:t>
+                      </a:r>
+                      <a:endParaRPr lang="en-IN" b="1" dirty="0">
+                        <a:solidFill>
+                          <a:schemeClr val="bg1"/>
+                        </a:solidFill>
+                      </a:endParaRPr>
+                    </a:p>
+                  </a:txBody>
+                  <a:tcPr>
+                    <a:solidFill>
+                      <a:srgbClr val="637AB9"/>
+                    </a:solidFill>
+                  </a:tcPr>
+                </a:tc>
+                <a:tc>
+                  <a:txBody>
+                    <a:bodyPr/>
+                    <a:lstStyle/>
+                    <a:p>
+                      <a:pPr algn="ctr"/>
+                      <a:r>
+                        <a:rPr lang="en-US" b="1" dirty="0">
+                          <a:solidFill>
+                            <a:schemeClr val="bg1"/>
+                          </a:solidFill>
+                        </a:rPr>
+                        <a:t>Module</a:t>
+                      </a:r>
+                      <a:endParaRPr lang="en-IN" b="1" dirty="0">
+                        <a:solidFill>
+                          <a:schemeClr val="bg1"/>
+                        </a:solidFill>
+                      </a:endParaRPr>
+                    </a:p>
+                  </a:txBody>
+                  <a:tcPr>
+                    <a:solidFill>
+                      <a:srgbClr val="637AB9"/>
+                    </a:solidFill>
+                  </a:tcPr>
+                </a:tc>
+                <a:extLst>
+                  <a:ext uri="{0D108BD9-81ED-4DB2-BD59-A6C34878D82A}">
+                    <a16:rowId xmlns:a16="http://schemas.microsoft.com/office/drawing/2014/main" val="3142017660"/>
+                  </a:ext>
+                </a:extLst>
+              </a:tr>
+              <a:tr h="416222">
+                <a:tc>
+                  <a:txBody>
+                    <a:bodyPr/>
+                    <a:lstStyle/>
+                    <a:p>
+                      <a:pPr algn="ctr"/>
+                      <a:r>
+                        <a:rPr lang="en-US" b="1" dirty="0">
+                          <a:solidFill>
+                            <a:schemeClr val="bg1"/>
+                          </a:solidFill>
+                        </a:rPr>
+                        <a:t>TC 5</a:t>
+                      </a:r>
+                      <a:endParaRPr lang="en-IN" b="1" dirty="0">
+                        <a:solidFill>
+                          <a:schemeClr val="bg1"/>
+                        </a:solidFill>
+                      </a:endParaRPr>
+                    </a:p>
+                  </a:txBody>
+                  <a:tcPr>
+                    <a:solidFill>
+                      <a:srgbClr val="637AB9"/>
+                    </a:solidFill>
+                  </a:tcPr>
+                </a:tc>
+                <a:tc>
+                  <a:txBody>
+                    <a:bodyPr/>
+                    <a:lstStyle/>
+                    <a:p>
+                      <a:r>
+                        <a:rPr lang="en-IN" b="1" dirty="0">
+                          <a:solidFill>
+                            <a:schemeClr val="bg1"/>
+                          </a:solidFill>
+                        </a:rPr>
+                        <a:t>Slicer Functionality</a:t>
+                      </a:r>
+                    </a:p>
+                  </a:txBody>
+                  <a:tcPr>
+                    <a:solidFill>
+                      <a:srgbClr val="637AB9"/>
+                    </a:solidFill>
+                  </a:tcPr>
+                </a:tc>
+                <a:tc>
+                  <a:txBody>
+                    <a:bodyPr/>
+                    <a:lstStyle/>
+                    <a:p>
+                      <a:r>
+                        <a:rPr lang="en-IN" b="1" dirty="0">
+                          <a:solidFill>
+                            <a:schemeClr val="bg1"/>
+                          </a:solidFill>
+                        </a:rPr>
+                        <a:t>All visuals refresh correctly.</a:t>
+                      </a:r>
+                    </a:p>
+                  </a:txBody>
+                  <a:tcPr>
+                    <a:solidFill>
+                      <a:srgbClr val="637AB9"/>
+                    </a:solidFill>
+                  </a:tcPr>
+                </a:tc>
+                <a:tc>
+                  <a:txBody>
+                    <a:bodyPr/>
+                    <a:lstStyle/>
+                    <a:p>
+                      <a:r>
+                        <a:rPr lang="en-US" b="1" dirty="0">
+                          <a:solidFill>
+                            <a:schemeClr val="bg1"/>
+                          </a:solidFill>
+                        </a:rPr>
+                        <a:t>Done</a:t>
+                      </a:r>
+                      <a:endParaRPr lang="en-IN" b="1" dirty="0">
+                        <a:solidFill>
+                          <a:schemeClr val="bg1"/>
+                        </a:solidFill>
+                      </a:endParaRPr>
+                    </a:p>
+                  </a:txBody>
+                  <a:tcPr>
+                    <a:solidFill>
+                      <a:srgbClr val="637AB9"/>
+                    </a:solidFill>
+                  </a:tcPr>
+                </a:tc>
+                <a:tc>
+                  <a:txBody>
+                    <a:bodyPr/>
+                    <a:lstStyle/>
+                    <a:p>
+                      <a:r>
+                        <a:rPr lang="en-US" b="1" dirty="0">
+                          <a:solidFill>
+                            <a:schemeClr val="bg1"/>
+                          </a:solidFill>
+                        </a:rPr>
+                        <a:t>Dashboard</a:t>
+                      </a:r>
+                      <a:endParaRPr lang="en-IN" b="1" dirty="0">
+                        <a:solidFill>
+                          <a:schemeClr val="bg1"/>
+                        </a:solidFill>
+                      </a:endParaRPr>
+                    </a:p>
+                  </a:txBody>
+                  <a:tcPr>
+                    <a:solidFill>
+                      <a:srgbClr val="637AB9"/>
+                    </a:solidFill>
+                  </a:tcPr>
+                </a:tc>
+                <a:extLst>
+                  <a:ext uri="{0D108BD9-81ED-4DB2-BD59-A6C34878D82A}">
+                    <a16:rowId xmlns:a16="http://schemas.microsoft.com/office/drawing/2014/main" val="3891288603"/>
+                  </a:ext>
+                </a:extLst>
+              </a:tr>
+              <a:tr h="888323">
+                <a:tc>
+                  <a:txBody>
+                    <a:bodyPr/>
+                    <a:lstStyle/>
+                    <a:p>
+                      <a:pPr algn="ctr"/>
+                      <a:r>
+                        <a:rPr lang="en-US" b="1" dirty="0">
+                          <a:solidFill>
+                            <a:schemeClr val="bg1"/>
+                          </a:solidFill>
+                        </a:rPr>
+                        <a:t>TC 6</a:t>
+                      </a:r>
+                      <a:endParaRPr lang="en-IN" b="1" dirty="0">
+                        <a:solidFill>
+                          <a:schemeClr val="bg1"/>
+                        </a:solidFill>
+                      </a:endParaRPr>
+                    </a:p>
+                  </a:txBody>
+                  <a:tcPr>
+                    <a:solidFill>
+                      <a:srgbClr val="637AB9"/>
+                    </a:solidFill>
+                  </a:tcPr>
+                </a:tc>
+                <a:tc>
+                  <a:txBody>
+                    <a:bodyPr/>
+                    <a:lstStyle/>
+                    <a:p>
+                      <a:r>
+                        <a:rPr lang="en-IN" b="1" dirty="0">
+                          <a:solidFill>
+                            <a:schemeClr val="bg1"/>
+                          </a:solidFill>
+                        </a:rPr>
+                        <a:t>Department-wise Comparison</a:t>
+                      </a:r>
+                    </a:p>
+                  </a:txBody>
+                  <a:tcPr>
+                    <a:solidFill>
+                      <a:srgbClr val="637AB9"/>
+                    </a:solidFill>
+                  </a:tcPr>
+                </a:tc>
+                <a:tc>
+                  <a:txBody>
+                    <a:bodyPr/>
+                    <a:lstStyle/>
+                    <a:p>
+                      <a:r>
+                        <a:rPr lang="en-IN" b="1" dirty="0">
+                          <a:solidFill>
+                            <a:schemeClr val="bg1"/>
+                          </a:solidFill>
+                        </a:rPr>
+                        <a:t>Matching averages and distributions.</a:t>
+                      </a:r>
+                    </a:p>
+                  </a:txBody>
+                  <a:tcPr>
+                    <a:solidFill>
+                      <a:srgbClr val="637AB9"/>
+                    </a:solidFill>
+                  </a:tcPr>
+                </a:tc>
+                <a:tc>
+                  <a:txBody>
+                    <a:bodyPr/>
+                    <a:lstStyle/>
+                    <a:p>
+                      <a:r>
+                        <a:rPr lang="en-US" b="1" dirty="0">
+                          <a:solidFill>
+                            <a:schemeClr val="bg1"/>
+                          </a:solidFill>
+                        </a:rPr>
+                        <a:t>Done</a:t>
+                      </a:r>
+                      <a:endParaRPr lang="en-IN" b="1" dirty="0">
+                        <a:solidFill>
+                          <a:schemeClr val="bg1"/>
+                        </a:solidFill>
+                      </a:endParaRPr>
+                    </a:p>
+                  </a:txBody>
+                  <a:tcPr>
+                    <a:solidFill>
+                      <a:srgbClr val="637AB9"/>
+                    </a:solidFill>
+                  </a:tcPr>
+                </a:tc>
+                <a:tc>
+                  <a:txBody>
+                    <a:bodyPr/>
+                    <a:lstStyle/>
+                    <a:p>
+                      <a:pPr marL="0" marR="0" lvl="0" indent="0" algn="l" defTabSz="914400" rtl="0" eaLnBrk="1" fontAlgn="auto" latinLnBrk="0" hangingPunct="1">
+                        <a:lnSpc>
+                          <a:spcPct val="100000"/>
+                        </a:lnSpc>
+                        <a:spcBef>
+                          <a:spcPts val="0"/>
+                        </a:spcBef>
+                        <a:spcAft>
+                          <a:spcPts val="0"/>
+                        </a:spcAft>
+                        <a:buClrTx/>
+                        <a:buSzTx/>
+                        <a:buFontTx/>
+                        <a:buNone/>
+                        <a:tabLst/>
+                        <a:defRPr/>
+                      </a:pPr>
+                      <a:r>
+                        <a:rPr lang="en-US" b="1" dirty="0">
+                          <a:solidFill>
+                            <a:schemeClr val="bg1"/>
+                          </a:solidFill>
+                        </a:rPr>
+                        <a:t>Dashboard</a:t>
+                      </a:r>
+                      <a:endParaRPr lang="en-IN" b="1" dirty="0">
+                        <a:solidFill>
+                          <a:schemeClr val="bg1"/>
+                        </a:solidFill>
+                      </a:endParaRPr>
+                    </a:p>
+                    <a:p>
+                      <a:endParaRPr lang="en-IN" b="1" dirty="0">
+                        <a:solidFill>
+                          <a:schemeClr val="bg1"/>
+                        </a:solidFill>
+                      </a:endParaRPr>
+                    </a:p>
+                  </a:txBody>
+                  <a:tcPr>
+                    <a:solidFill>
+                      <a:srgbClr val="637AB9"/>
+                    </a:solidFill>
+                  </a:tcPr>
+                </a:tc>
+                <a:extLst>
+                  <a:ext uri="{0D108BD9-81ED-4DB2-BD59-A6C34878D82A}">
+                    <a16:rowId xmlns:a16="http://schemas.microsoft.com/office/drawing/2014/main" val="717255530"/>
+                  </a:ext>
+                </a:extLst>
+              </a:tr>
+              <a:tr h="888323">
+                <a:tc>
+                  <a:txBody>
+                    <a:bodyPr/>
+                    <a:lstStyle/>
+                    <a:p>
+                      <a:pPr algn="ctr"/>
+                      <a:r>
+                        <a:rPr lang="en-US" b="1" dirty="0">
+                          <a:solidFill>
+                            <a:schemeClr val="bg1"/>
+                          </a:solidFill>
+                        </a:rPr>
+                        <a:t>TC 7</a:t>
+                      </a:r>
+                      <a:endParaRPr lang="en-IN" b="1" dirty="0">
+                        <a:solidFill>
+                          <a:schemeClr val="bg1"/>
+                        </a:solidFill>
+                      </a:endParaRPr>
+                    </a:p>
+                  </a:txBody>
+                  <a:tcPr>
+                    <a:solidFill>
+                      <a:srgbClr val="637AB9"/>
+                    </a:solidFill>
+                  </a:tcPr>
+                </a:tc>
+                <a:tc>
+                  <a:txBody>
+                    <a:bodyPr/>
+                    <a:lstStyle/>
+                    <a:p>
+                      <a:r>
+                        <a:rPr lang="en-IN" b="1" dirty="0">
+                          <a:solidFill>
+                            <a:schemeClr val="bg1"/>
+                          </a:solidFill>
+                        </a:rPr>
+                        <a:t>Check age binning logic.</a:t>
+                      </a:r>
+                    </a:p>
+                  </a:txBody>
+                  <a:tcPr>
+                    <a:solidFill>
+                      <a:srgbClr val="637AB9"/>
+                    </a:solidFill>
+                  </a:tcPr>
+                </a:tc>
+                <a:tc>
+                  <a:txBody>
+                    <a:bodyPr/>
+                    <a:lstStyle/>
+                    <a:p>
+                      <a:r>
+                        <a:rPr lang="en-US" b="1" dirty="0">
+                          <a:solidFill>
+                            <a:schemeClr val="bg1"/>
+                          </a:solidFill>
+                        </a:rPr>
+                        <a:t>Correct bins such as “20–29”, “30–39”, “40–49”.</a:t>
+                      </a:r>
+                      <a:endParaRPr lang="en-IN" b="1" dirty="0">
+                        <a:solidFill>
+                          <a:schemeClr val="bg1"/>
+                        </a:solidFill>
+                      </a:endParaRPr>
+                    </a:p>
+                  </a:txBody>
+                  <a:tcPr>
+                    <a:solidFill>
+                      <a:srgbClr val="637AB9"/>
+                    </a:solidFill>
+                  </a:tcPr>
+                </a:tc>
+                <a:tc>
+                  <a:txBody>
+                    <a:bodyPr/>
+                    <a:lstStyle/>
+                    <a:p>
+                      <a:r>
+                        <a:rPr lang="en-US" b="1" dirty="0">
+                          <a:solidFill>
+                            <a:schemeClr val="bg1"/>
+                          </a:solidFill>
+                        </a:rPr>
+                        <a:t>Done</a:t>
+                      </a:r>
+                      <a:endParaRPr lang="en-IN" b="1" dirty="0">
+                        <a:solidFill>
+                          <a:schemeClr val="bg1"/>
+                        </a:solidFill>
+                      </a:endParaRPr>
+                    </a:p>
+                  </a:txBody>
+                  <a:tcPr>
+                    <a:solidFill>
+                      <a:srgbClr val="637AB9"/>
+                    </a:solidFill>
+                  </a:tcPr>
+                </a:tc>
+                <a:tc>
+                  <a:txBody>
+                    <a:bodyPr/>
+                    <a:lstStyle/>
+                    <a:p>
+                      <a:pPr marL="0" marR="0" lvl="0" indent="0" algn="l" defTabSz="914400" rtl="0" eaLnBrk="1" fontAlgn="auto" latinLnBrk="0" hangingPunct="1">
+                        <a:lnSpc>
+                          <a:spcPct val="100000"/>
+                        </a:lnSpc>
+                        <a:spcBef>
+                          <a:spcPts val="0"/>
+                        </a:spcBef>
+                        <a:spcAft>
+                          <a:spcPts val="0"/>
+                        </a:spcAft>
+                        <a:buClrTx/>
+                        <a:buSzTx/>
+                        <a:buFontTx/>
+                        <a:buNone/>
+                        <a:tabLst/>
+                        <a:defRPr/>
+                      </a:pPr>
+                      <a:r>
+                        <a:rPr lang="en-US" b="1" dirty="0">
+                          <a:solidFill>
+                            <a:schemeClr val="bg1"/>
+                          </a:solidFill>
+                        </a:rPr>
+                        <a:t>Dashboard</a:t>
+                      </a:r>
+                      <a:endParaRPr lang="en-IN" b="1" dirty="0">
+                        <a:solidFill>
+                          <a:schemeClr val="bg1"/>
+                        </a:solidFill>
+                      </a:endParaRPr>
+                    </a:p>
+                    <a:p>
+                      <a:endParaRPr lang="en-IN" b="1" dirty="0">
+                        <a:solidFill>
+                          <a:schemeClr val="bg1"/>
+                        </a:solidFill>
+                      </a:endParaRPr>
+                    </a:p>
+                  </a:txBody>
+                  <a:tcPr>
+                    <a:solidFill>
+                      <a:srgbClr val="637AB9"/>
+                    </a:solidFill>
+                  </a:tcPr>
+                </a:tc>
+                <a:extLst>
+                  <a:ext uri="{0D108BD9-81ED-4DB2-BD59-A6C34878D82A}">
+                    <a16:rowId xmlns:a16="http://schemas.microsoft.com/office/drawing/2014/main" val="1496755062"/>
+                  </a:ext>
+                </a:extLst>
+              </a:tr>
+              <a:tr h="888323">
+                <a:tc>
+                  <a:txBody>
+                    <a:bodyPr/>
+                    <a:lstStyle/>
+                    <a:p>
+                      <a:pPr algn="ctr"/>
+                      <a:r>
+                        <a:rPr lang="en-US" b="1" dirty="0">
+                          <a:solidFill>
+                            <a:schemeClr val="bg1"/>
+                          </a:solidFill>
+                        </a:rPr>
+                        <a:t>TC 8</a:t>
+                      </a:r>
+                      <a:endParaRPr lang="en-IN" b="1" dirty="0">
+                        <a:solidFill>
+                          <a:schemeClr val="bg1"/>
+                        </a:solidFill>
+                      </a:endParaRPr>
+                    </a:p>
+                  </a:txBody>
+                  <a:tcPr>
+                    <a:solidFill>
+                      <a:srgbClr val="637AB9"/>
+                    </a:solidFill>
+                  </a:tcPr>
+                </a:tc>
+                <a:tc>
+                  <a:txBody>
+                    <a:bodyPr/>
+                    <a:lstStyle/>
+                    <a:p>
+                      <a:r>
+                        <a:rPr lang="en-IN" b="1" dirty="0">
+                          <a:solidFill>
+                            <a:schemeClr val="bg1"/>
+                          </a:solidFill>
+                        </a:rPr>
+                        <a:t>Data Refresh Performance</a:t>
+                      </a:r>
+                    </a:p>
+                  </a:txBody>
+                  <a:tcPr>
+                    <a:solidFill>
+                      <a:srgbClr val="637AB9"/>
+                    </a:solidFill>
+                  </a:tcPr>
+                </a:tc>
+                <a:tc>
+                  <a:txBody>
+                    <a:bodyPr/>
+                    <a:lstStyle/>
+                    <a:p>
+                      <a:r>
+                        <a:rPr lang="en-US" b="1" dirty="0">
+                          <a:solidFill>
+                            <a:schemeClr val="bg1"/>
+                          </a:solidFill>
+                        </a:rPr>
+                        <a:t>Dashboard refreshes under accepted time (e.g., &lt;5 sec).</a:t>
+                      </a:r>
+                      <a:endParaRPr lang="en-IN" b="1" dirty="0">
+                        <a:solidFill>
+                          <a:schemeClr val="bg1"/>
+                        </a:solidFill>
+                      </a:endParaRPr>
+                    </a:p>
+                  </a:txBody>
+                  <a:tcPr>
+                    <a:solidFill>
+                      <a:srgbClr val="637AB9"/>
+                    </a:solidFill>
+                  </a:tcPr>
+                </a:tc>
+                <a:tc>
+                  <a:txBody>
+                    <a:bodyPr/>
+                    <a:lstStyle/>
+                    <a:p>
+                      <a:r>
+                        <a:rPr lang="en-US" b="1" dirty="0">
+                          <a:solidFill>
+                            <a:schemeClr val="bg1"/>
+                          </a:solidFill>
+                        </a:rPr>
+                        <a:t>Done</a:t>
+                      </a:r>
+                      <a:endParaRPr lang="en-IN" b="1" dirty="0">
+                        <a:solidFill>
+                          <a:schemeClr val="bg1"/>
+                        </a:solidFill>
+                      </a:endParaRPr>
+                    </a:p>
+                  </a:txBody>
+                  <a:tcPr>
+                    <a:solidFill>
+                      <a:srgbClr val="637AB9"/>
+                    </a:solidFill>
+                  </a:tcPr>
+                </a:tc>
+                <a:tc>
+                  <a:txBody>
+                    <a:bodyPr/>
+                    <a:lstStyle/>
+                    <a:p>
+                      <a:pPr marL="0" marR="0" lvl="0" indent="0" algn="l" defTabSz="914400" rtl="0" eaLnBrk="1" fontAlgn="auto" latinLnBrk="0" hangingPunct="1">
+                        <a:lnSpc>
+                          <a:spcPct val="100000"/>
+                        </a:lnSpc>
+                        <a:spcBef>
+                          <a:spcPts val="0"/>
+                        </a:spcBef>
+                        <a:spcAft>
+                          <a:spcPts val="0"/>
+                        </a:spcAft>
+                        <a:buClrTx/>
+                        <a:buSzTx/>
+                        <a:buFontTx/>
+                        <a:buNone/>
+                        <a:tabLst/>
+                        <a:defRPr/>
+                      </a:pPr>
+                      <a:r>
+                        <a:rPr lang="en-US" b="1" dirty="0">
+                          <a:solidFill>
+                            <a:schemeClr val="bg1"/>
+                          </a:solidFill>
+                        </a:rPr>
+                        <a:t>Dashboard</a:t>
+                      </a:r>
+                      <a:endParaRPr lang="en-IN" b="1" dirty="0">
+                        <a:solidFill>
+                          <a:schemeClr val="bg1"/>
+                        </a:solidFill>
+                      </a:endParaRPr>
+                    </a:p>
+                    <a:p>
+                      <a:endParaRPr lang="en-IN" b="1" dirty="0">
+                        <a:solidFill>
+                          <a:schemeClr val="bg1"/>
+                        </a:solidFill>
+                      </a:endParaRPr>
+                    </a:p>
+                  </a:txBody>
+                  <a:tcPr>
+                    <a:solidFill>
+                      <a:srgbClr val="637AB9"/>
+                    </a:solidFill>
+                  </a:tcPr>
+                </a:tc>
+                <a:extLst>
+                  <a:ext uri="{0D108BD9-81ED-4DB2-BD59-A6C34878D82A}">
+                    <a16:rowId xmlns:a16="http://schemas.microsoft.com/office/drawing/2014/main" val="3881858993"/>
+                  </a:ext>
+                </a:extLst>
+              </a:tr>
+            </a:tbl>
+          </a:graphicData>
+        </a:graphic>
+      </p:graphicFrame>
     </p:spTree>
     <p:extLst>
       <p:ext uri="{BB962C8B-B14F-4D97-AF65-F5344CB8AC3E}">
-        <p14:creationId xmlns:p14="http://schemas.microsoft.com/office/powerpoint/2010/main" val="2847118421"/>
+        <p14:creationId xmlns:p14="http://schemas.microsoft.com/office/powerpoint/2010/main" val="1986850280"/>
       </p:ext>
     </p:extLst>
   </p:cSld>
@@ -7424,7 +9018,7 @@
         <p:cNvPr id="1" name="">
           <a:extLst>
             <a:ext uri="{FF2B5EF4-FFF2-40B4-BE49-F238E27FC236}">
-              <a16:creationId xmlns:a16="http://schemas.microsoft.com/office/drawing/2014/main" id="{2EA989F6-90E0-2A65-47EC-D078A4DFC8F5}"/>
+              <a16:creationId xmlns:a16="http://schemas.microsoft.com/office/drawing/2014/main" id="{F99A5246-A56A-E706-0A55-454FC2EDBB56}"/>
             </a:ext>
           </a:extLst>
         </p:cNvPr>
@@ -7441,10 +9035,10 @@
       </p:grpSpPr>
       <p:sp>
         <p:nvSpPr>
-          <p:cNvPr id="9" name="TextBox 8">
-            <a:extLst>
-              <a:ext uri="{FF2B5EF4-FFF2-40B4-BE49-F238E27FC236}">
-                <a16:creationId xmlns:a16="http://schemas.microsoft.com/office/drawing/2014/main" id="{10A28EEA-8908-9F93-B492-E7CC960F618B}"/>
+          <p:cNvPr id="2" name="TextBox 1">
+            <a:extLst>
+              <a:ext uri="{FF2B5EF4-FFF2-40B4-BE49-F238E27FC236}">
+                <a16:creationId xmlns:a16="http://schemas.microsoft.com/office/drawing/2014/main" id="{4DD6DB70-4AF3-41C7-88C2-BB4232E29788}"/>
               </a:ext>
             </a:extLst>
           </p:cNvPr>
@@ -7453,8 +9047,8 @@
         </p:nvSpPr>
         <p:spPr>
           <a:xfrm>
-            <a:off x="2417583" y="113404"/>
-            <a:ext cx="7356833" cy="1200329"/>
+            <a:off x="1337187" y="30290"/>
+            <a:ext cx="9517626" cy="1200329"/>
           </a:xfrm>
           <a:prstGeom prst="rect">
             <a:avLst/>
@@ -7474,7 +9068,7 @@
                   <a:srgbClr val="31326F"/>
                 </a:solidFill>
               </a:rPr>
-              <a:t>Project Overview</a:t>
+              <a:t>Test Cases</a:t>
             </a:r>
             <a:endParaRPr lang="en-IN" sz="7200" b="1" dirty="0">
               <a:solidFill>
@@ -7484,40 +9078,479 @@
           </a:p>
         </p:txBody>
       </p:sp>
-      <p:pic>
-        <p:nvPicPr>
-          <p:cNvPr id="3" name="Picture 2" descr="A screenshot of a computer dashboard&#10;&#10;AI-generated content may be incorrect.">
-            <a:extLst>
-              <a:ext uri="{FF2B5EF4-FFF2-40B4-BE49-F238E27FC236}">
-                <a16:creationId xmlns:a16="http://schemas.microsoft.com/office/drawing/2014/main" id="{363DFFA1-80CA-5519-0EC5-8124E67E8197}"/>
-              </a:ext>
-            </a:extLst>
-          </p:cNvPr>
-          <p:cNvPicPr>
-            <a:picLocks noChangeAspect="1"/>
-          </p:cNvPicPr>
-          <p:nvPr/>
-        </p:nvPicPr>
-        <p:blipFill>
-          <a:blip r:embed="rId2"/>
-          <a:stretch>
-            <a:fillRect/>
-          </a:stretch>
-        </p:blipFill>
-        <p:spPr>
-          <a:xfrm>
-            <a:off x="1509251" y="1413522"/>
-            <a:ext cx="9173497" cy="5011318"/>
-          </a:xfrm>
-          <a:prstGeom prst="rect">
-            <a:avLst/>
-          </a:prstGeom>
-        </p:spPr>
-      </p:pic>
+      <p:graphicFrame>
+        <p:nvGraphicFramePr>
+          <p:cNvPr id="7" name="Table 6">
+            <a:extLst>
+              <a:ext uri="{FF2B5EF4-FFF2-40B4-BE49-F238E27FC236}">
+                <a16:creationId xmlns:a16="http://schemas.microsoft.com/office/drawing/2014/main" id="{ABC40D10-9300-7834-3B99-C093AB9E123A}"/>
+              </a:ext>
+            </a:extLst>
+          </p:cNvPr>
+          <p:cNvGraphicFramePr>
+            <a:graphicFrameLocks noGrp="1"/>
+          </p:cNvGraphicFramePr>
+          <p:nvPr>
+            <p:extLst>
+              <p:ext uri="{D42A27DB-BD31-4B8C-83A1-F6EECF244321}">
+                <p14:modId xmlns:p14="http://schemas.microsoft.com/office/powerpoint/2010/main" val="1463865744"/>
+              </p:ext>
+            </p:extLst>
+          </p:nvPr>
+        </p:nvGraphicFramePr>
+        <p:xfrm>
+          <a:off x="642374" y="1413086"/>
+          <a:ext cx="11072110" cy="2058417"/>
+        </p:xfrm>
+        <a:graphic>
+          <a:graphicData uri="http://schemas.openxmlformats.org/drawingml/2006/table">
+            <a:tbl>
+              <a:tblPr firstRow="1" bandRow="1">
+                <a:tableStyleId>{5C22544A-7EE6-4342-B048-85BDC9FD1C3A}</a:tableStyleId>
+              </a:tblPr>
+              <a:tblGrid>
+                <a:gridCol w="2214422">
+                  <a:extLst>
+                    <a:ext uri="{9D8B030D-6E8A-4147-A177-3AD203B41FA5}">
+                      <a16:colId xmlns:a16="http://schemas.microsoft.com/office/drawing/2014/main" val="4257388806"/>
+                    </a:ext>
+                  </a:extLst>
+                </a:gridCol>
+                <a:gridCol w="2214422">
+                  <a:extLst>
+                    <a:ext uri="{9D8B030D-6E8A-4147-A177-3AD203B41FA5}">
+                      <a16:colId xmlns:a16="http://schemas.microsoft.com/office/drawing/2014/main" val="2705366586"/>
+                    </a:ext>
+                  </a:extLst>
+                </a:gridCol>
+                <a:gridCol w="2214422">
+                  <a:extLst>
+                    <a:ext uri="{9D8B030D-6E8A-4147-A177-3AD203B41FA5}">
+                      <a16:colId xmlns:a16="http://schemas.microsoft.com/office/drawing/2014/main" val="3901192985"/>
+                    </a:ext>
+                  </a:extLst>
+                </a:gridCol>
+                <a:gridCol w="2214422">
+                  <a:extLst>
+                    <a:ext uri="{9D8B030D-6E8A-4147-A177-3AD203B41FA5}">
+                      <a16:colId xmlns:a16="http://schemas.microsoft.com/office/drawing/2014/main" val="3224819883"/>
+                    </a:ext>
+                  </a:extLst>
+                </a:gridCol>
+                <a:gridCol w="2214422">
+                  <a:extLst>
+                    <a:ext uri="{9D8B030D-6E8A-4147-A177-3AD203B41FA5}">
+                      <a16:colId xmlns:a16="http://schemas.microsoft.com/office/drawing/2014/main" val="4017293747"/>
+                    </a:ext>
+                  </a:extLst>
+                </a:gridCol>
+              </a:tblGrid>
+              <a:tr h="530014">
+                <a:tc>
+                  <a:txBody>
+                    <a:bodyPr/>
+                    <a:lstStyle/>
+                    <a:p>
+                      <a:pPr algn="ctr"/>
+                      <a:r>
+                        <a:rPr lang="en-US" b="1" dirty="0">
+                          <a:solidFill>
+                            <a:schemeClr val="bg1"/>
+                          </a:solidFill>
+                        </a:rPr>
+                        <a:t>Test Case Id</a:t>
+                      </a:r>
+                      <a:endParaRPr lang="en-IN" b="1" dirty="0">
+                        <a:solidFill>
+                          <a:schemeClr val="bg1"/>
+                        </a:solidFill>
+                      </a:endParaRPr>
+                    </a:p>
+                  </a:txBody>
+                  <a:tcPr>
+                    <a:solidFill>
+                      <a:srgbClr val="637AB9"/>
+                    </a:solidFill>
+                  </a:tcPr>
+                </a:tc>
+                <a:tc>
+                  <a:txBody>
+                    <a:bodyPr/>
+                    <a:lstStyle/>
+                    <a:p>
+                      <a:pPr algn="ctr"/>
+                      <a:r>
+                        <a:rPr lang="en-US" b="1" dirty="0">
+                          <a:solidFill>
+                            <a:schemeClr val="bg1"/>
+                          </a:solidFill>
+                        </a:rPr>
+                        <a:t>Test Case </a:t>
+                      </a:r>
+                      <a:endParaRPr lang="en-IN" b="1" dirty="0">
+                        <a:solidFill>
+                          <a:schemeClr val="bg1"/>
+                        </a:solidFill>
+                      </a:endParaRPr>
+                    </a:p>
+                  </a:txBody>
+                  <a:tcPr>
+                    <a:solidFill>
+                      <a:srgbClr val="637AB9"/>
+                    </a:solidFill>
+                  </a:tcPr>
+                </a:tc>
+                <a:tc>
+                  <a:txBody>
+                    <a:bodyPr/>
+                    <a:lstStyle/>
+                    <a:p>
+                      <a:pPr algn="ctr"/>
+                      <a:r>
+                        <a:rPr lang="en-US" b="1" dirty="0">
+                          <a:solidFill>
+                            <a:schemeClr val="bg1"/>
+                          </a:solidFill>
+                        </a:rPr>
+                        <a:t>Expected Result</a:t>
+                      </a:r>
+                      <a:endParaRPr lang="en-IN" b="1" dirty="0">
+                        <a:solidFill>
+                          <a:schemeClr val="bg1"/>
+                        </a:solidFill>
+                      </a:endParaRPr>
+                    </a:p>
+                  </a:txBody>
+                  <a:tcPr>
+                    <a:solidFill>
+                      <a:srgbClr val="637AB9"/>
+                    </a:solidFill>
+                  </a:tcPr>
+                </a:tc>
+                <a:tc>
+                  <a:txBody>
+                    <a:bodyPr/>
+                    <a:lstStyle/>
+                    <a:p>
+                      <a:pPr algn="ctr"/>
+                      <a:r>
+                        <a:rPr lang="en-US" b="1" dirty="0">
+                          <a:solidFill>
+                            <a:schemeClr val="bg1"/>
+                          </a:solidFill>
+                        </a:rPr>
+                        <a:t>Status</a:t>
+                      </a:r>
+                      <a:endParaRPr lang="en-IN" b="1" dirty="0">
+                        <a:solidFill>
+                          <a:schemeClr val="bg1"/>
+                        </a:solidFill>
+                      </a:endParaRPr>
+                    </a:p>
+                  </a:txBody>
+                  <a:tcPr>
+                    <a:solidFill>
+                      <a:srgbClr val="637AB9"/>
+                    </a:solidFill>
+                  </a:tcPr>
+                </a:tc>
+                <a:tc>
+                  <a:txBody>
+                    <a:bodyPr/>
+                    <a:lstStyle/>
+                    <a:p>
+                      <a:pPr algn="ctr"/>
+                      <a:r>
+                        <a:rPr lang="en-US" b="1" dirty="0">
+                          <a:solidFill>
+                            <a:schemeClr val="bg1"/>
+                          </a:solidFill>
+                        </a:rPr>
+                        <a:t>Module</a:t>
+                      </a:r>
+                      <a:endParaRPr lang="en-IN" b="1" dirty="0">
+                        <a:solidFill>
+                          <a:schemeClr val="bg1"/>
+                        </a:solidFill>
+                      </a:endParaRPr>
+                    </a:p>
+                  </a:txBody>
+                  <a:tcPr>
+                    <a:solidFill>
+                      <a:srgbClr val="637AB9"/>
+                    </a:solidFill>
+                  </a:tcPr>
+                </a:tc>
+                <a:extLst>
+                  <a:ext uri="{0D108BD9-81ED-4DB2-BD59-A6C34878D82A}">
+                    <a16:rowId xmlns:a16="http://schemas.microsoft.com/office/drawing/2014/main" val="3142017660"/>
+                  </a:ext>
+                </a:extLst>
+              </a:tr>
+              <a:tr h="416222">
+                <a:tc>
+                  <a:txBody>
+                    <a:bodyPr/>
+                    <a:lstStyle/>
+                    <a:p>
+                      <a:pPr algn="ctr"/>
+                      <a:r>
+                        <a:rPr lang="en-US" b="1" dirty="0">
+                          <a:solidFill>
+                            <a:schemeClr val="bg1"/>
+                          </a:solidFill>
+                        </a:rPr>
+                        <a:t>TC 9</a:t>
+                      </a:r>
+                      <a:endParaRPr lang="en-IN" b="1" dirty="0">
+                        <a:solidFill>
+                          <a:schemeClr val="bg1"/>
+                        </a:solidFill>
+                      </a:endParaRPr>
+                    </a:p>
+                  </a:txBody>
+                  <a:tcPr>
+                    <a:solidFill>
+                      <a:srgbClr val="637AB9"/>
+                    </a:solidFill>
+                  </a:tcPr>
+                </a:tc>
+                <a:tc>
+                  <a:txBody>
+                    <a:bodyPr/>
+                    <a:lstStyle/>
+                    <a:p>
+                      <a:r>
+                        <a:rPr lang="en-IN" b="1" dirty="0">
+                          <a:solidFill>
+                            <a:schemeClr val="bg1"/>
+                          </a:solidFill>
+                        </a:rPr>
+                        <a:t>Filter Performance</a:t>
+                      </a:r>
+                    </a:p>
+                  </a:txBody>
+                  <a:tcPr>
+                    <a:solidFill>
+                      <a:srgbClr val="637AB9"/>
+                    </a:solidFill>
+                  </a:tcPr>
+                </a:tc>
+                <a:tc>
+                  <a:txBody>
+                    <a:bodyPr/>
+                    <a:lstStyle/>
+                    <a:p>
+                      <a:r>
+                        <a:rPr lang="en-IN" b="1" dirty="0">
+                          <a:solidFill>
+                            <a:schemeClr val="bg1"/>
+                          </a:solidFill>
+                        </a:rPr>
+                        <a:t>No lag, visuals update smoothly.</a:t>
+                      </a:r>
+                    </a:p>
+                  </a:txBody>
+                  <a:tcPr>
+                    <a:solidFill>
+                      <a:srgbClr val="637AB9"/>
+                    </a:solidFill>
+                  </a:tcPr>
+                </a:tc>
+                <a:tc>
+                  <a:txBody>
+                    <a:bodyPr/>
+                    <a:lstStyle/>
+                    <a:p>
+                      <a:r>
+                        <a:rPr lang="en-US" b="1" dirty="0">
+                          <a:solidFill>
+                            <a:schemeClr val="bg1"/>
+                          </a:solidFill>
+                        </a:rPr>
+                        <a:t>Done</a:t>
+                      </a:r>
+                      <a:endParaRPr lang="en-IN" b="1" dirty="0">
+                        <a:solidFill>
+                          <a:schemeClr val="bg1"/>
+                        </a:solidFill>
+                      </a:endParaRPr>
+                    </a:p>
+                  </a:txBody>
+                  <a:tcPr>
+                    <a:solidFill>
+                      <a:srgbClr val="637AB9"/>
+                    </a:solidFill>
+                  </a:tcPr>
+                </a:tc>
+                <a:tc>
+                  <a:txBody>
+                    <a:bodyPr/>
+                    <a:lstStyle/>
+                    <a:p>
+                      <a:r>
+                        <a:rPr lang="en-US" b="1" dirty="0">
+                          <a:solidFill>
+                            <a:schemeClr val="bg1"/>
+                          </a:solidFill>
+                        </a:rPr>
+                        <a:t>Dashboard</a:t>
+                      </a:r>
+                      <a:endParaRPr lang="en-IN" b="1" dirty="0">
+                        <a:solidFill>
+                          <a:schemeClr val="bg1"/>
+                        </a:solidFill>
+                      </a:endParaRPr>
+                    </a:p>
+                  </a:txBody>
+                  <a:tcPr>
+                    <a:solidFill>
+                      <a:srgbClr val="637AB9"/>
+                    </a:solidFill>
+                  </a:tcPr>
+                </a:tc>
+                <a:extLst>
+                  <a:ext uri="{0D108BD9-81ED-4DB2-BD59-A6C34878D82A}">
+                    <a16:rowId xmlns:a16="http://schemas.microsoft.com/office/drawing/2014/main" val="3891288603"/>
+                  </a:ext>
+                </a:extLst>
+              </a:tr>
+              <a:tr h="888323">
+                <a:tc>
+                  <a:txBody>
+                    <a:bodyPr/>
+                    <a:lstStyle/>
+                    <a:p>
+                      <a:pPr algn="ctr"/>
+                      <a:r>
+                        <a:rPr lang="en-US" b="1" dirty="0">
+                          <a:solidFill>
+                            <a:schemeClr val="bg1"/>
+                          </a:solidFill>
+                        </a:rPr>
+                        <a:t>TC 10</a:t>
+                      </a:r>
+                      <a:endParaRPr lang="en-IN" b="1" dirty="0">
+                        <a:solidFill>
+                          <a:schemeClr val="bg1"/>
+                        </a:solidFill>
+                      </a:endParaRPr>
+                    </a:p>
+                  </a:txBody>
+                  <a:tcPr>
+                    <a:solidFill>
+                      <a:srgbClr val="637AB9"/>
+                    </a:solidFill>
+                  </a:tcPr>
+                </a:tc>
+                <a:tc>
+                  <a:txBody>
+                    <a:bodyPr/>
+                    <a:lstStyle/>
+                    <a:p>
+                      <a:r>
+                        <a:rPr lang="en-IN" b="1" dirty="0">
+                          <a:solidFill>
+                            <a:schemeClr val="bg1"/>
+                          </a:solidFill>
+                        </a:rPr>
+                        <a:t>Colour Consistency</a:t>
+                      </a:r>
+                    </a:p>
+                  </a:txBody>
+                  <a:tcPr>
+                    <a:solidFill>
+                      <a:srgbClr val="637AB9"/>
+                    </a:solidFill>
+                  </a:tcPr>
+                </a:tc>
+                <a:tc>
+                  <a:txBody>
+                    <a:bodyPr/>
+                    <a:lstStyle/>
+                    <a:p>
+                      <a:r>
+                        <a:rPr lang="en-IN" b="1" dirty="0">
+                          <a:solidFill>
+                            <a:schemeClr val="bg1"/>
+                          </a:solidFill>
+                        </a:rPr>
+                        <a:t>No confusion in legend.</a:t>
+                      </a:r>
+                    </a:p>
+                  </a:txBody>
+                  <a:tcPr>
+                    <a:solidFill>
+                      <a:srgbClr val="637AB9"/>
+                    </a:solidFill>
+                  </a:tcPr>
+                </a:tc>
+                <a:tc>
+                  <a:txBody>
+                    <a:bodyPr/>
+                    <a:lstStyle/>
+                    <a:p>
+                      <a:r>
+                        <a:rPr lang="en-US" b="1" dirty="0">
+                          <a:solidFill>
+                            <a:schemeClr val="bg1"/>
+                          </a:solidFill>
+                        </a:rPr>
+                        <a:t>Done</a:t>
+                      </a:r>
+                      <a:endParaRPr lang="en-IN" b="1" dirty="0">
+                        <a:solidFill>
+                          <a:schemeClr val="bg1"/>
+                        </a:solidFill>
+                      </a:endParaRPr>
+                    </a:p>
+                  </a:txBody>
+                  <a:tcPr>
+                    <a:solidFill>
+                      <a:srgbClr val="637AB9"/>
+                    </a:solidFill>
+                  </a:tcPr>
+                </a:tc>
+                <a:tc>
+                  <a:txBody>
+                    <a:bodyPr/>
+                    <a:lstStyle/>
+                    <a:p>
+                      <a:r>
+                        <a:rPr lang="en-US" b="1" dirty="0">
+                          <a:solidFill>
+                            <a:schemeClr val="bg1"/>
+                          </a:solidFill>
+                        </a:rPr>
+                        <a:t>Dashboard</a:t>
+                      </a:r>
+                      <a:endParaRPr lang="en-IN" b="1" dirty="0">
+                        <a:solidFill>
+                          <a:schemeClr val="bg1"/>
+                        </a:solidFill>
+                      </a:endParaRPr>
+                    </a:p>
+                  </a:txBody>
+                  <a:tcPr>
+                    <a:solidFill>
+                      <a:srgbClr val="637AB9"/>
+                    </a:solidFill>
+                  </a:tcPr>
+                </a:tc>
+                <a:extLst>
+                  <a:ext uri="{0D108BD9-81ED-4DB2-BD59-A6C34878D82A}">
+                    <a16:rowId xmlns:a16="http://schemas.microsoft.com/office/drawing/2014/main" val="717255530"/>
+                  </a:ext>
+                </a:extLst>
+              </a:tr>
+            </a:tbl>
+          </a:graphicData>
+        </a:graphic>
+      </p:graphicFrame>
     </p:spTree>
     <p:extLst>
       <p:ext uri="{BB962C8B-B14F-4D97-AF65-F5344CB8AC3E}">
-        <p14:creationId xmlns:p14="http://schemas.microsoft.com/office/powerpoint/2010/main" val="849172268"/>
+        <p14:creationId xmlns:p14="http://schemas.microsoft.com/office/powerpoint/2010/main" val="3390939283"/>
       </p:ext>
     </p:extLst>
   </p:cSld>
@@ -7547,6 +9580,375 @@
         <p:cNvPr id="1" name="">
           <a:extLst>
             <a:ext uri="{FF2B5EF4-FFF2-40B4-BE49-F238E27FC236}">
+              <a16:creationId xmlns:a16="http://schemas.microsoft.com/office/drawing/2014/main" id="{080886C9-314C-BCFA-EA69-FFBD971C2B74}"/>
+            </a:ext>
+          </a:extLst>
+        </p:cNvPr>
+        <p:cNvGrpSpPr/>
+        <p:nvPr/>
+      </p:nvGrpSpPr>
+      <p:grpSpPr>
+        <a:xfrm>
+          <a:off x="0" y="0"/>
+          <a:ext cx="0" cy="0"/>
+          <a:chOff x="0" y="0"/>
+          <a:chExt cx="0" cy="0"/>
+        </a:xfrm>
+      </p:grpSpPr>
+      <p:sp>
+        <p:nvSpPr>
+          <p:cNvPr id="9" name="TextBox 8">
+            <a:extLst>
+              <a:ext uri="{FF2B5EF4-FFF2-40B4-BE49-F238E27FC236}">
+                <a16:creationId xmlns:a16="http://schemas.microsoft.com/office/drawing/2014/main" id="{72AB8785-8483-172D-3EA9-2740170E4909}"/>
+              </a:ext>
+            </a:extLst>
+          </p:cNvPr>
+          <p:cNvSpPr txBox="1"/>
+          <p:nvPr/>
+        </p:nvSpPr>
+        <p:spPr>
+          <a:xfrm>
+            <a:off x="2417583" y="113404"/>
+            <a:ext cx="7356833" cy="1200329"/>
+          </a:xfrm>
+          <a:prstGeom prst="rect">
+            <a:avLst/>
+          </a:prstGeom>
+          <a:noFill/>
+        </p:spPr>
+        <p:txBody>
+          <a:bodyPr wrap="square" rtlCol="0">
+            <a:spAutoFit/>
+          </a:bodyPr>
+          <a:lstStyle/>
+          <a:p>
+            <a:pPr algn="ctr"/>
+            <a:r>
+              <a:rPr lang="en-US" sz="7200" b="1" dirty="0">
+                <a:solidFill>
+                  <a:srgbClr val="31326F"/>
+                </a:solidFill>
+              </a:rPr>
+              <a:t>Project Overview</a:t>
+            </a:r>
+            <a:endParaRPr lang="en-IN" sz="7200" b="1" dirty="0">
+              <a:solidFill>
+                <a:srgbClr val="31326F"/>
+              </a:solidFill>
+            </a:endParaRPr>
+          </a:p>
+        </p:txBody>
+      </p:sp>
+      <p:pic>
+        <p:nvPicPr>
+          <p:cNvPr id="3" name="Picture 2" descr="A screenshot of a dashboard&#10;&#10;AI-generated content may be incorrect.">
+            <a:extLst>
+              <a:ext uri="{FF2B5EF4-FFF2-40B4-BE49-F238E27FC236}">
+                <a16:creationId xmlns:a16="http://schemas.microsoft.com/office/drawing/2014/main" id="{321B8106-6599-4BFF-56F7-5092F778A3F9}"/>
+              </a:ext>
+            </a:extLst>
+          </p:cNvPr>
+          <p:cNvPicPr>
+            <a:picLocks noChangeAspect="1"/>
+          </p:cNvPicPr>
+          <p:nvPr/>
+        </p:nvPicPr>
+        <p:blipFill>
+          <a:blip r:embed="rId2"/>
+          <a:stretch>
+            <a:fillRect/>
+          </a:stretch>
+        </p:blipFill>
+        <p:spPr>
+          <a:xfrm>
+            <a:off x="1391263" y="1313733"/>
+            <a:ext cx="9409471" cy="5210737"/>
+          </a:xfrm>
+          <a:prstGeom prst="rect">
+            <a:avLst/>
+          </a:prstGeom>
+        </p:spPr>
+      </p:pic>
+    </p:spTree>
+    <p:extLst>
+      <p:ext uri="{BB962C8B-B14F-4D97-AF65-F5344CB8AC3E}">
+        <p14:creationId xmlns:p14="http://schemas.microsoft.com/office/powerpoint/2010/main" val="1136789168"/>
+      </p:ext>
+    </p:extLst>
+  </p:cSld>
+  <p:clrMapOvr>
+    <a:masterClrMapping/>
+  </p:clrMapOvr>
+  <mc:AlternateContent xmlns:mc="http://schemas.openxmlformats.org/markup-compatibility/2006" xmlns:p159="http://schemas.microsoft.com/office/powerpoint/2015/09/main">
+    <mc:Choice Requires="p159">
+      <p:transition xmlns:p14="http://schemas.microsoft.com/office/powerpoint/2010/main" spd="slow" p14:dur="2000">
+        <p159:morph option="byObject"/>
+      </p:transition>
+    </mc:Choice>
+    <mc:Fallback xmlns="">
+      <p:transition spd="slow">
+        <p:fade/>
+      </p:transition>
+    </mc:Fallback>
+  </mc:AlternateContent>
+</p:sld>
+</file>
+
+<file path=ppt/slides/slide24.xml><?xml version="1.0" encoding="utf-8"?>
+<p:sld xmlns:a="http://schemas.openxmlformats.org/drawingml/2006/main" xmlns:r="http://schemas.openxmlformats.org/officeDocument/2006/relationships" xmlns:p="http://schemas.openxmlformats.org/presentationml/2006/main">
+  <p:cSld>
+    <p:spTree>
+      <p:nvGrpSpPr>
+        <p:cNvPr id="1" name="">
+          <a:extLst>
+            <a:ext uri="{FF2B5EF4-FFF2-40B4-BE49-F238E27FC236}">
+              <a16:creationId xmlns:a16="http://schemas.microsoft.com/office/drawing/2014/main" id="{DEF3A8E3-C6DC-926E-C820-71CDD0F885B9}"/>
+            </a:ext>
+          </a:extLst>
+        </p:cNvPr>
+        <p:cNvGrpSpPr/>
+        <p:nvPr/>
+      </p:nvGrpSpPr>
+      <p:grpSpPr>
+        <a:xfrm>
+          <a:off x="0" y="0"/>
+          <a:ext cx="0" cy="0"/>
+          <a:chOff x="0" y="0"/>
+          <a:chExt cx="0" cy="0"/>
+        </a:xfrm>
+      </p:grpSpPr>
+      <p:sp>
+        <p:nvSpPr>
+          <p:cNvPr id="9" name="TextBox 8">
+            <a:extLst>
+              <a:ext uri="{FF2B5EF4-FFF2-40B4-BE49-F238E27FC236}">
+                <a16:creationId xmlns:a16="http://schemas.microsoft.com/office/drawing/2014/main" id="{AF90584C-950E-E243-5DF2-931400006A59}"/>
+              </a:ext>
+            </a:extLst>
+          </p:cNvPr>
+          <p:cNvSpPr txBox="1"/>
+          <p:nvPr/>
+        </p:nvSpPr>
+        <p:spPr>
+          <a:xfrm>
+            <a:off x="2417583" y="113404"/>
+            <a:ext cx="7356833" cy="1200329"/>
+          </a:xfrm>
+          <a:prstGeom prst="rect">
+            <a:avLst/>
+          </a:prstGeom>
+          <a:noFill/>
+        </p:spPr>
+        <p:txBody>
+          <a:bodyPr wrap="square" rtlCol="0">
+            <a:spAutoFit/>
+          </a:bodyPr>
+          <a:lstStyle/>
+          <a:p>
+            <a:pPr algn="ctr"/>
+            <a:r>
+              <a:rPr lang="en-US" sz="7200" b="1" dirty="0">
+                <a:solidFill>
+                  <a:srgbClr val="31326F"/>
+                </a:solidFill>
+              </a:rPr>
+              <a:t>Project Overview</a:t>
+            </a:r>
+            <a:endParaRPr lang="en-IN" sz="7200" b="1" dirty="0">
+              <a:solidFill>
+                <a:srgbClr val="31326F"/>
+              </a:solidFill>
+            </a:endParaRPr>
+          </a:p>
+        </p:txBody>
+      </p:sp>
+      <p:pic>
+        <p:nvPicPr>
+          <p:cNvPr id="4" name="Picture 3" descr="A screenshot of a graph&#10;&#10;AI-generated content may be incorrect.">
+            <a:extLst>
+              <a:ext uri="{FF2B5EF4-FFF2-40B4-BE49-F238E27FC236}">
+                <a16:creationId xmlns:a16="http://schemas.microsoft.com/office/drawing/2014/main" id="{7646FADA-F203-CF84-7C4A-8CC31158C0E2}"/>
+              </a:ext>
+            </a:extLst>
+          </p:cNvPr>
+          <p:cNvPicPr>
+            <a:picLocks noChangeAspect="1"/>
+          </p:cNvPicPr>
+          <p:nvPr/>
+        </p:nvPicPr>
+        <p:blipFill>
+          <a:blip r:embed="rId2"/>
+          <a:stretch>
+            <a:fillRect/>
+          </a:stretch>
+        </p:blipFill>
+        <p:spPr>
+          <a:xfrm>
+            <a:off x="1455174" y="1313733"/>
+            <a:ext cx="9281651" cy="5109165"/>
+          </a:xfrm>
+          <a:prstGeom prst="rect">
+            <a:avLst/>
+          </a:prstGeom>
+        </p:spPr>
+      </p:pic>
+    </p:spTree>
+    <p:extLst>
+      <p:ext uri="{BB962C8B-B14F-4D97-AF65-F5344CB8AC3E}">
+        <p14:creationId xmlns:p14="http://schemas.microsoft.com/office/powerpoint/2010/main" val="2847118421"/>
+      </p:ext>
+    </p:extLst>
+  </p:cSld>
+  <p:clrMapOvr>
+    <a:masterClrMapping/>
+  </p:clrMapOvr>
+  <mc:AlternateContent xmlns:mc="http://schemas.openxmlformats.org/markup-compatibility/2006" xmlns:p159="http://schemas.microsoft.com/office/powerpoint/2015/09/main">
+    <mc:Choice Requires="p159">
+      <p:transition xmlns:p14="http://schemas.microsoft.com/office/powerpoint/2010/main" spd="slow" p14:dur="2000">
+        <p159:morph option="byObject"/>
+      </p:transition>
+    </mc:Choice>
+    <mc:Fallback xmlns="">
+      <p:transition spd="slow">
+        <p:fade/>
+      </p:transition>
+    </mc:Fallback>
+  </mc:AlternateContent>
+</p:sld>
+</file>
+
+<file path=ppt/slides/slide25.xml><?xml version="1.0" encoding="utf-8"?>
+<p:sld xmlns:a="http://schemas.openxmlformats.org/drawingml/2006/main" xmlns:r="http://schemas.openxmlformats.org/officeDocument/2006/relationships" xmlns:p="http://schemas.openxmlformats.org/presentationml/2006/main">
+  <p:cSld>
+    <p:spTree>
+      <p:nvGrpSpPr>
+        <p:cNvPr id="1" name="">
+          <a:extLst>
+            <a:ext uri="{FF2B5EF4-FFF2-40B4-BE49-F238E27FC236}">
+              <a16:creationId xmlns:a16="http://schemas.microsoft.com/office/drawing/2014/main" id="{2EA989F6-90E0-2A65-47EC-D078A4DFC8F5}"/>
+            </a:ext>
+          </a:extLst>
+        </p:cNvPr>
+        <p:cNvGrpSpPr/>
+        <p:nvPr/>
+      </p:nvGrpSpPr>
+      <p:grpSpPr>
+        <a:xfrm>
+          <a:off x="0" y="0"/>
+          <a:ext cx="0" cy="0"/>
+          <a:chOff x="0" y="0"/>
+          <a:chExt cx="0" cy="0"/>
+        </a:xfrm>
+      </p:grpSpPr>
+      <p:sp>
+        <p:nvSpPr>
+          <p:cNvPr id="9" name="TextBox 8">
+            <a:extLst>
+              <a:ext uri="{FF2B5EF4-FFF2-40B4-BE49-F238E27FC236}">
+                <a16:creationId xmlns:a16="http://schemas.microsoft.com/office/drawing/2014/main" id="{10A28EEA-8908-9F93-B492-E7CC960F618B}"/>
+              </a:ext>
+            </a:extLst>
+          </p:cNvPr>
+          <p:cNvSpPr txBox="1"/>
+          <p:nvPr/>
+        </p:nvSpPr>
+        <p:spPr>
+          <a:xfrm>
+            <a:off x="2417583" y="113404"/>
+            <a:ext cx="7356833" cy="1200329"/>
+          </a:xfrm>
+          <a:prstGeom prst="rect">
+            <a:avLst/>
+          </a:prstGeom>
+          <a:noFill/>
+        </p:spPr>
+        <p:txBody>
+          <a:bodyPr wrap="square" rtlCol="0">
+            <a:spAutoFit/>
+          </a:bodyPr>
+          <a:lstStyle/>
+          <a:p>
+            <a:pPr algn="ctr"/>
+            <a:r>
+              <a:rPr lang="en-US" sz="7200" b="1" dirty="0">
+                <a:solidFill>
+                  <a:srgbClr val="31326F"/>
+                </a:solidFill>
+              </a:rPr>
+              <a:t>Project Overview</a:t>
+            </a:r>
+            <a:endParaRPr lang="en-IN" sz="7200" b="1" dirty="0">
+              <a:solidFill>
+                <a:srgbClr val="31326F"/>
+              </a:solidFill>
+            </a:endParaRPr>
+          </a:p>
+        </p:txBody>
+      </p:sp>
+      <p:pic>
+        <p:nvPicPr>
+          <p:cNvPr id="3" name="Picture 2" descr="A screenshot of a computer dashboard&#10;&#10;AI-generated content may be incorrect.">
+            <a:extLst>
+              <a:ext uri="{FF2B5EF4-FFF2-40B4-BE49-F238E27FC236}">
+                <a16:creationId xmlns:a16="http://schemas.microsoft.com/office/drawing/2014/main" id="{363DFFA1-80CA-5519-0EC5-8124E67E8197}"/>
+              </a:ext>
+            </a:extLst>
+          </p:cNvPr>
+          <p:cNvPicPr>
+            <a:picLocks noChangeAspect="1"/>
+          </p:cNvPicPr>
+          <p:nvPr/>
+        </p:nvPicPr>
+        <p:blipFill>
+          <a:blip r:embed="rId2"/>
+          <a:stretch>
+            <a:fillRect/>
+          </a:stretch>
+        </p:blipFill>
+        <p:spPr>
+          <a:xfrm>
+            <a:off x="1509251" y="1413522"/>
+            <a:ext cx="9173497" cy="5011318"/>
+          </a:xfrm>
+          <a:prstGeom prst="rect">
+            <a:avLst/>
+          </a:prstGeom>
+        </p:spPr>
+      </p:pic>
+    </p:spTree>
+    <p:extLst>
+      <p:ext uri="{BB962C8B-B14F-4D97-AF65-F5344CB8AC3E}">
+        <p14:creationId xmlns:p14="http://schemas.microsoft.com/office/powerpoint/2010/main" val="849172268"/>
+      </p:ext>
+    </p:extLst>
+  </p:cSld>
+  <p:clrMapOvr>
+    <a:masterClrMapping/>
+  </p:clrMapOvr>
+  <mc:AlternateContent xmlns:mc="http://schemas.openxmlformats.org/markup-compatibility/2006" xmlns:p159="http://schemas.microsoft.com/office/powerpoint/2015/09/main">
+    <mc:Choice Requires="p159">
+      <p:transition xmlns:p14="http://schemas.microsoft.com/office/powerpoint/2010/main" spd="slow" p14:dur="2000">
+        <p159:morph option="byObject"/>
+      </p:transition>
+    </mc:Choice>
+    <mc:Fallback xmlns="">
+      <p:transition spd="slow">
+        <p:fade/>
+      </p:transition>
+    </mc:Fallback>
+  </mc:AlternateContent>
+</p:sld>
+</file>
+
+<file path=ppt/slides/slide26.xml><?xml version="1.0" encoding="utf-8"?>
+<p:sld xmlns:a="http://schemas.openxmlformats.org/drawingml/2006/main" xmlns:r="http://schemas.openxmlformats.org/officeDocument/2006/relationships" xmlns:p="http://schemas.openxmlformats.org/presentationml/2006/main">
+  <p:cSld>
+    <p:spTree>
+      <p:nvGrpSpPr>
+        <p:cNvPr id="1" name="">
+          <a:extLst>
+            <a:ext uri="{FF2B5EF4-FFF2-40B4-BE49-F238E27FC236}">
               <a16:creationId xmlns:a16="http://schemas.microsoft.com/office/drawing/2014/main" id="{211D312F-F9ED-8327-04E1-2CA8DBA90D7E}"/>
             </a:ext>
           </a:extLst>
@@ -7647,13 +10049,13 @@
   <p:clrMapOvr>
     <a:masterClrMapping/>
   </p:clrMapOvr>
-  <mc:AlternateContent xmlns:mc="http://schemas.openxmlformats.org/markup-compatibility/2006">
-    <mc:Choice xmlns:p159="http://schemas.microsoft.com/office/powerpoint/2015/09/main" Requires="p159">
+  <mc:AlternateContent xmlns:mc="http://schemas.openxmlformats.org/markup-compatibility/2006" xmlns:p159="http://schemas.microsoft.com/office/powerpoint/2015/09/main">
+    <mc:Choice Requires="p159">
       <p:transition xmlns:p14="http://schemas.microsoft.com/office/powerpoint/2010/main" spd="slow" p14:dur="2000">
         <p159:morph option="byObject"/>
       </p:transition>
     </mc:Choice>
-    <mc:Fallback>
+    <mc:Fallback xmlns="">
       <p:transition spd="slow">
         <p:fade/>
       </p:transition>
@@ -7662,7 +10064,7 @@
 </p:sld>
 </file>
 
-<file path=ppt/slides/slide24.xml><?xml version="1.0" encoding="utf-8"?>
+<file path=ppt/slides/slide27.xml><?xml version="1.0" encoding="utf-8"?>
 <p:sld xmlns:a="http://schemas.openxmlformats.org/drawingml/2006/main" xmlns:r="http://schemas.openxmlformats.org/officeDocument/2006/relationships" xmlns:p="http://schemas.openxmlformats.org/presentationml/2006/main">
   <p:cSld>
     <p:spTree>
@@ -7770,13 +10172,13 @@
   <p:clrMapOvr>
     <a:masterClrMapping/>
   </p:clrMapOvr>
-  <mc:AlternateContent xmlns:mc="http://schemas.openxmlformats.org/markup-compatibility/2006">
-    <mc:Choice xmlns:p159="http://schemas.microsoft.com/office/powerpoint/2015/09/main" Requires="p159">
+  <mc:AlternateContent xmlns:mc="http://schemas.openxmlformats.org/markup-compatibility/2006" xmlns:p159="http://schemas.microsoft.com/office/powerpoint/2015/09/main">
+    <mc:Choice Requires="p159">
       <p:transition xmlns:p14="http://schemas.microsoft.com/office/powerpoint/2010/main" spd="slow" p14:dur="2000">
         <p159:morph option="byObject"/>
       </p:transition>
     </mc:Choice>
-    <mc:Fallback>
+    <mc:Fallback xmlns="">
       <p:transition spd="slow">
         <p:fade/>
       </p:transition>
@@ -7785,7 +10187,7 @@
 </p:sld>
 </file>
 
-<file path=ppt/slides/slide25.xml><?xml version="1.0" encoding="utf-8"?>
+<file path=ppt/slides/slide28.xml><?xml version="1.0" encoding="utf-8"?>
 <p:sld xmlns:a="http://schemas.openxmlformats.org/drawingml/2006/main" xmlns:r="http://schemas.openxmlformats.org/officeDocument/2006/relationships" xmlns:p="http://schemas.openxmlformats.org/presentationml/2006/main">
   <p:cSld>
     <p:spTree>
